--- a/elimbination_presentation_v5.pptx
+++ b/elimbination_presentation_v5.pptx
@@ -5,7 +5,7 @@
     <p:sldMasterId id="2147483660" r:id="rId1"/>
   </p:sldMasterIdLst>
   <p:notesMasterIdLst>
-    <p:notesMasterId r:id="rId19"/>
+    <p:notesMasterId r:id="rId21"/>
   </p:notesMasterIdLst>
   <p:sldIdLst>
     <p:sldId id="256" r:id="rId2"/>
@@ -24,7 +24,9 @@
     <p:sldId id="261" r:id="rId15"/>
     <p:sldId id="273" r:id="rId16"/>
     <p:sldId id="272" r:id="rId17"/>
-    <p:sldId id="266" r:id="rId18"/>
+    <p:sldId id="274" r:id="rId18"/>
+    <p:sldId id="275" r:id="rId19"/>
+    <p:sldId id="266" r:id="rId20"/>
   </p:sldIdLst>
   <p:sldSz cx="9144000" cy="6858000" type="screen4x3"/>
   <p:notesSz cx="6858000" cy="9144000"/>
@@ -208,7 +210,7 @@
           <a:p>
             <a:fld id="{5FC8C58D-0955-46AA-8B3F-B7AA0F6A101B}" type="datetimeFigureOut">
               <a:rPr lang="en-US" smtClean="0"/>
-              <a:t>10/7/2014</a:t>
+              <a:t>10/14/2014</a:t>
             </a:fld>
             <a:endParaRPr lang="en-US"/>
           </a:p>
@@ -627,7 +629,7 @@
           <a:p>
             <a:fld id="{93684CB6-B7B2-4DE9-9185-C7E06687C33D}" type="datetimeFigureOut">
               <a:rPr lang="en-US" smtClean="0"/>
-              <a:t>10/7/2014</a:t>
+              <a:t>10/14/2014</a:t>
             </a:fld>
             <a:endParaRPr lang="en-US"/>
           </a:p>
@@ -943,7 +945,7 @@
           <a:p>
             <a:fld id="{93684CB6-B7B2-4DE9-9185-C7E06687C33D}" type="datetimeFigureOut">
               <a:rPr lang="en-US" smtClean="0"/>
-              <a:t>10/7/2014</a:t>
+              <a:t>10/14/2014</a:t>
             </a:fld>
             <a:endParaRPr lang="en-US"/>
           </a:p>
@@ -1118,7 +1120,7 @@
           <a:p>
             <a:fld id="{93684CB6-B7B2-4DE9-9185-C7E06687C33D}" type="datetimeFigureOut">
               <a:rPr lang="en-US" smtClean="0"/>
-              <a:t>10/7/2014</a:t>
+              <a:t>10/14/2014</a:t>
             </a:fld>
             <a:endParaRPr lang="en-US"/>
           </a:p>
@@ -1236,7 +1238,7 @@
           <a:p>
             <a:fld id="{93684CB6-B7B2-4DE9-9185-C7E06687C33D}" type="datetimeFigureOut">
               <a:rPr lang="en-US" smtClean="0"/>
-              <a:t>10/7/2014</a:t>
+              <a:t>10/14/2014</a:t>
             </a:fld>
             <a:endParaRPr lang="en-US"/>
           </a:p>
@@ -1534,7 +1536,7 @@
           <a:p>
             <a:fld id="{93684CB6-B7B2-4DE9-9185-C7E06687C33D}" type="datetimeFigureOut">
               <a:rPr lang="en-US" smtClean="0"/>
-              <a:t>10/7/2014</a:t>
+              <a:t>10/14/2014</a:t>
             </a:fld>
             <a:endParaRPr lang="en-US"/>
           </a:p>
@@ -1827,7 +1829,7 @@
           <a:p>
             <a:fld id="{93684CB6-B7B2-4DE9-9185-C7E06687C33D}" type="datetimeFigureOut">
               <a:rPr lang="en-US" smtClean="0"/>
-              <a:t>10/7/2014</a:t>
+              <a:t>10/14/2014</a:t>
             </a:fld>
             <a:endParaRPr lang="en-US"/>
           </a:p>
@@ -2255,7 +2257,7 @@
           <a:p>
             <a:fld id="{93684CB6-B7B2-4DE9-9185-C7E06687C33D}" type="datetimeFigureOut">
               <a:rPr lang="en-US" smtClean="0"/>
-              <a:t>10/7/2014</a:t>
+              <a:t>10/14/2014</a:t>
             </a:fld>
             <a:endParaRPr lang="en-US"/>
           </a:p>
@@ -2373,7 +2375,7 @@
           <a:p>
             <a:fld id="{93684CB6-B7B2-4DE9-9185-C7E06687C33D}" type="datetimeFigureOut">
               <a:rPr lang="en-US" smtClean="0"/>
-              <a:t>10/7/2014</a:t>
+              <a:t>10/14/2014</a:t>
             </a:fld>
             <a:endParaRPr lang="en-US"/>
           </a:p>
@@ -2463,7 +2465,7 @@
           <a:p>
             <a:fld id="{93684CB6-B7B2-4DE9-9185-C7E06687C33D}" type="datetimeFigureOut">
               <a:rPr lang="en-US" smtClean="0"/>
-              <a:t>10/7/2014</a:t>
+              <a:t>10/14/2014</a:t>
             </a:fld>
             <a:endParaRPr lang="en-US"/>
           </a:p>
@@ -2713,7 +2715,7 @@
           <a:p>
             <a:fld id="{93684CB6-B7B2-4DE9-9185-C7E06687C33D}" type="datetimeFigureOut">
               <a:rPr lang="en-US" smtClean="0"/>
-              <a:t>10/7/2014</a:t>
+              <a:t>10/14/2014</a:t>
             </a:fld>
             <a:endParaRPr lang="en-US"/>
           </a:p>
@@ -3229,7 +3231,7 @@
           <a:p>
             <a:fld id="{93684CB6-B7B2-4DE9-9185-C7E06687C33D}" type="datetimeFigureOut">
               <a:rPr lang="en-US" smtClean="0"/>
-              <a:t>10/7/2014</a:t>
+              <a:t>10/14/2014</a:t>
             </a:fld>
             <a:endParaRPr lang="en-US"/>
           </a:p>
@@ -3459,7 +3461,7 @@
           <a:p>
             <a:fld id="{93684CB6-B7B2-4DE9-9185-C7E06687C33D}" type="datetimeFigureOut">
               <a:rPr lang="en-US" smtClean="0"/>
-              <a:t>10/7/2014</a:t>
+              <a:t>10/14/2014</a:t>
             </a:fld>
             <a:endParaRPr lang="en-US"/>
           </a:p>
@@ -4656,12 +4658,6 @@
             </a:r>
           </a:p>
           <a:p>
-            <a:r>
-              <a:rPr lang="en-US" sz="4000" dirty="0" smtClean="0"/>
-              <a:t>WinSock</a:t>
-            </a:r>
-          </a:p>
-          <a:p>
             <a:endParaRPr lang="en-US" dirty="0"/>
           </a:p>
         </p:txBody>
@@ -4886,6 +4882,194 @@
 </file>
 
 <file path=ppt/slides/slide17.xml><?xml version="1.0" encoding="utf-8"?>
+<p:sld xmlns:a="http://schemas.openxmlformats.org/drawingml/2006/main" xmlns:r="http://schemas.openxmlformats.org/officeDocument/2006/relationships" xmlns:p="http://schemas.openxmlformats.org/presentationml/2006/main">
+  <p:cSld>
+    <p:spTree>
+      <p:nvGrpSpPr>
+        <p:cNvPr id="1" name=""/>
+        <p:cNvGrpSpPr/>
+        <p:nvPr/>
+      </p:nvGrpSpPr>
+      <p:grpSpPr>
+        <a:xfrm>
+          <a:off x="0" y="0"/>
+          <a:ext cx="0" cy="0"/>
+          <a:chOff x="0" y="0"/>
+          <a:chExt cx="0" cy="0"/>
+        </a:xfrm>
+      </p:grpSpPr>
+      <p:sp>
+        <p:nvSpPr>
+          <p:cNvPr id="2" name="Title 1"/>
+          <p:cNvSpPr>
+            <a:spLocks noGrp="1"/>
+          </p:cNvSpPr>
+          <p:nvPr>
+            <p:ph type="title"/>
+          </p:nvPr>
+        </p:nvSpPr>
+        <p:spPr/>
+        <p:txBody>
+          <a:bodyPr/>
+          <a:lstStyle/>
+          <a:p>
+            <a:pPr algn="ctr"/>
+            <a:r>
+              <a:rPr lang="en-US" sz="4800" dirty="0" smtClean="0"/>
+              <a:t>Issues</a:t>
+            </a:r>
+            <a:endParaRPr lang="en-US" sz="4800" dirty="0"/>
+          </a:p>
+        </p:txBody>
+      </p:sp>
+      <p:sp>
+        <p:nvSpPr>
+          <p:cNvPr id="3" name="Content Placeholder 2"/>
+          <p:cNvSpPr>
+            <a:spLocks noGrp="1"/>
+          </p:cNvSpPr>
+          <p:nvPr>
+            <p:ph sz="quarter" idx="13"/>
+          </p:nvPr>
+        </p:nvSpPr>
+        <p:spPr/>
+        <p:txBody>
+          <a:bodyPr>
+            <a:normAutofit/>
+          </a:bodyPr>
+          <a:lstStyle/>
+          <a:p>
+            <a:r>
+              <a:rPr lang="en-US" sz="2800" dirty="0" smtClean="0"/>
+              <a:t>Time</a:t>
+            </a:r>
+          </a:p>
+          <a:p>
+            <a:r>
+              <a:rPr lang="en-US" sz="2800" dirty="0" smtClean="0"/>
+              <a:t>Communication</a:t>
+            </a:r>
+          </a:p>
+          <a:p>
+            <a:r>
+              <a:rPr lang="en-US" sz="2800" dirty="0" smtClean="0"/>
+              <a:t>Motivation</a:t>
+            </a:r>
+            <a:endParaRPr lang="en-US" sz="2800" dirty="0"/>
+          </a:p>
+        </p:txBody>
+      </p:sp>
+    </p:spTree>
+    <p:extLst>
+      <p:ext uri="{BB962C8B-B14F-4D97-AF65-F5344CB8AC3E}">
+        <p14:creationId xmlns:p14="http://schemas.microsoft.com/office/powerpoint/2010/main" val="3770692647"/>
+      </p:ext>
+    </p:extLst>
+  </p:cSld>
+  <p:clrMapOvr>
+    <a:masterClrMapping/>
+  </p:clrMapOvr>
+</p:sld>
+</file>
+
+<file path=ppt/slides/slide18.xml><?xml version="1.0" encoding="utf-8"?>
+<p:sld xmlns:a="http://schemas.openxmlformats.org/drawingml/2006/main" xmlns:r="http://schemas.openxmlformats.org/officeDocument/2006/relationships" xmlns:p="http://schemas.openxmlformats.org/presentationml/2006/main">
+  <p:cSld>
+    <p:spTree>
+      <p:nvGrpSpPr>
+        <p:cNvPr id="1" name=""/>
+        <p:cNvGrpSpPr/>
+        <p:nvPr/>
+      </p:nvGrpSpPr>
+      <p:grpSpPr>
+        <a:xfrm>
+          <a:off x="0" y="0"/>
+          <a:ext cx="0" cy="0"/>
+          <a:chOff x="0" y="0"/>
+          <a:chExt cx="0" cy="0"/>
+        </a:xfrm>
+      </p:grpSpPr>
+      <p:sp>
+        <p:nvSpPr>
+          <p:cNvPr id="2" name="Title 1"/>
+          <p:cNvSpPr>
+            <a:spLocks noGrp="1"/>
+          </p:cNvSpPr>
+          <p:nvPr>
+            <p:ph type="title"/>
+          </p:nvPr>
+        </p:nvSpPr>
+        <p:spPr/>
+        <p:txBody>
+          <a:bodyPr/>
+          <a:lstStyle/>
+          <a:p>
+            <a:pPr algn="ctr"/>
+            <a:r>
+              <a:rPr lang="en-US" sz="4800" dirty="0" smtClean="0"/>
+              <a:t>Cut Features</a:t>
+            </a:r>
+            <a:endParaRPr lang="en-US" sz="4800" dirty="0"/>
+          </a:p>
+        </p:txBody>
+      </p:sp>
+      <p:sp>
+        <p:nvSpPr>
+          <p:cNvPr id="3" name="Content Placeholder 2"/>
+          <p:cNvSpPr>
+            <a:spLocks noGrp="1"/>
+          </p:cNvSpPr>
+          <p:nvPr>
+            <p:ph sz="quarter" idx="13"/>
+          </p:nvPr>
+        </p:nvSpPr>
+        <p:spPr/>
+        <p:txBody>
+          <a:bodyPr>
+            <a:normAutofit/>
+          </a:bodyPr>
+          <a:lstStyle/>
+          <a:p>
+            <a:r>
+              <a:rPr lang="en-US" sz="2800" dirty="0" smtClean="0"/>
+              <a:t>Networked Multiplayer</a:t>
+            </a:r>
+          </a:p>
+          <a:p>
+            <a:r>
+              <a:rPr lang="en-US" sz="2800" dirty="0" smtClean="0"/>
+              <a:t>AI Monsters</a:t>
+            </a:r>
+          </a:p>
+          <a:p>
+            <a:r>
+              <a:rPr lang="en-US" sz="2800" dirty="0" smtClean="0"/>
+              <a:t>Items</a:t>
+            </a:r>
+          </a:p>
+          <a:p>
+            <a:r>
+              <a:rPr lang="en-US" sz="2800" dirty="0" smtClean="0"/>
+              <a:t>Improved Camera</a:t>
+            </a:r>
+            <a:endParaRPr lang="en-US" sz="2800" dirty="0"/>
+          </a:p>
+        </p:txBody>
+      </p:sp>
+    </p:spTree>
+    <p:extLst>
+      <p:ext uri="{BB962C8B-B14F-4D97-AF65-F5344CB8AC3E}">
+        <p14:creationId xmlns:p14="http://schemas.microsoft.com/office/powerpoint/2010/main" val="3278209302"/>
+      </p:ext>
+    </p:extLst>
+  </p:cSld>
+  <p:clrMapOvr>
+    <a:masterClrMapping/>
+  </p:clrMapOvr>
+</p:sld>
+</file>
+
+<file path=ppt/slides/slide19.xml><?xml version="1.0" encoding="utf-8"?>
 <p:sld xmlns:a="http://schemas.openxmlformats.org/drawingml/2006/main" xmlns:r="http://schemas.openxmlformats.org/officeDocument/2006/relationships" xmlns:p="http://schemas.openxmlformats.org/presentationml/2006/main">
   <p:cSld>
     <p:spTree>

--- a/elimbination_presentation_v5.pptx
+++ b/elimbination_presentation_v5.pptx
@@ -5043,9 +5043,10 @@
           </a:p>
           <a:p>
             <a:r>
-              <a:rPr lang="en-US" sz="2800" dirty="0" smtClean="0"/>
-              <a:t>Items</a:t>
-            </a:r>
+              <a:rPr lang="en-US" sz="2800" smtClean="0"/>
+              <a:t>Extra items</a:t>
+            </a:r>
+            <a:endParaRPr lang="en-US" sz="2800" dirty="0" smtClean="0"/>
           </a:p>
           <a:p>
             <a:r>

--- a/elimbination_presentation_v5.pptx
+++ b/elimbination_presentation_v5.pptx
@@ -4020,65 +4020,47 @@
           </a:p>
         </p:txBody>
       </p:sp>
-      <p:sp>
-        <p:nvSpPr>
-          <p:cNvPr id="2" name="Title 1"/>
-          <p:cNvSpPr>
-            <a:spLocks noGrp="1"/>
-          </p:cNvSpPr>
-          <p:nvPr>
-            <p:ph type="ctrTitle"/>
-          </p:nvPr>
-        </p:nvSpPr>
-        <p:spPr/>
-        <p:txBody>
-          <a:bodyPr/>
-          <a:lstStyle/>
-          <a:p>
-            <a:r>
-              <a:rPr lang="en-US" dirty="0" err="1" smtClean="0">
+      <p:pic>
+        <p:nvPicPr>
+          <p:cNvPr id="1027" name="Picture 3" descr="C:\Users\Josh\Documents\ASSIGNMENTS\Eevee-Hound-Final\aj-testing\DXBase\Elimbination.png"/>
+          <p:cNvPicPr>
+            <a:picLocks noChangeAspect="1" noChangeArrowheads="1"/>
+          </p:cNvPicPr>
+          <p:nvPr/>
+        </p:nvPicPr>
+        <p:blipFill>
+          <a:blip r:embed="rId2">
+            <a:extLst>
+              <a:ext uri="{28A0092B-C50C-407E-A947-70E740481C1C}">
+                <a14:useLocalDpi xmlns:a14="http://schemas.microsoft.com/office/drawing/2010/main" val="0"/>
+              </a:ext>
+            </a:extLst>
+          </a:blip>
+          <a:srcRect/>
+          <a:stretch>
+            <a:fillRect/>
+          </a:stretch>
+        </p:blipFill>
+        <p:spPr bwMode="auto">
+          <a:xfrm>
+            <a:off x="1447800" y="1295400"/>
+            <a:ext cx="5357813" cy="2291255"/>
+          </a:xfrm>
+          <a:prstGeom prst="rect">
+            <a:avLst/>
+          </a:prstGeom>
+          <a:noFill/>
+          <a:extLst>
+            <a:ext uri="{909E8E84-426E-40DD-AFC4-6F175D3DCCD1}">
+              <a14:hiddenFill xmlns:a14="http://schemas.microsoft.com/office/drawing/2010/main">
                 <a:solidFill>
-                  <a:schemeClr val="bg2">
-                    <a:lumMod val="50000"/>
-                    <a:lumOff val="50000"/>
-                  </a:schemeClr>
+                  <a:srgbClr val="FFFFFF"/>
                 </a:solidFill>
-              </a:rPr>
-              <a:t>E</a:t>
-            </a:r>
-            <a:r>
-              <a:rPr lang="en-US" sz="6000" dirty="0" err="1" smtClean="0">
-                <a:solidFill>
-                  <a:schemeClr val="bg2">
-                    <a:lumMod val="50000"/>
-                    <a:lumOff val="50000"/>
-                  </a:schemeClr>
-                </a:solidFill>
-              </a:rPr>
-              <a:t>LIMB</a:t>
-            </a:r>
-            <a:r>
-              <a:rPr lang="en-US" dirty="0" err="1" smtClean="0">
-                <a:solidFill>
-                  <a:schemeClr val="bg2">
-                    <a:lumMod val="50000"/>
-                    <a:lumOff val="50000"/>
-                  </a:schemeClr>
-                </a:solidFill>
-              </a:rPr>
-              <a:t>ination</a:t>
-            </a:r>
-            <a:endParaRPr lang="en-US" dirty="0">
-              <a:solidFill>
-                <a:schemeClr val="bg2">
-                  <a:lumMod val="50000"/>
-                  <a:lumOff val="50000"/>
-                </a:schemeClr>
-              </a:solidFill>
-            </a:endParaRPr>
-          </a:p>
-        </p:txBody>
-      </p:sp>
+              </a14:hiddenFill>
+            </a:ext>
+          </a:extLst>
+        </p:spPr>
+      </p:pic>
     </p:spTree>
     <p:extLst>
       <p:ext uri="{BB962C8B-B14F-4D97-AF65-F5344CB8AC3E}">
@@ -4182,6 +4164,47 @@
           </a:p>
         </p:txBody>
       </p:sp>
+      <p:pic>
+        <p:nvPicPr>
+          <p:cNvPr id="4" name="Picture 2" descr="C:\Users\Josh\Documents\ASSIGNMENTS\Eevee-Hound-Final\aj-testing\DXBase\el.png"/>
+          <p:cNvPicPr>
+            <a:picLocks noChangeAspect="1" noChangeArrowheads="1"/>
+          </p:cNvPicPr>
+          <p:nvPr/>
+        </p:nvPicPr>
+        <p:blipFill>
+          <a:blip r:embed="rId2" cstate="print">
+            <a:extLst>
+              <a:ext uri="{28A0092B-C50C-407E-A947-70E740481C1C}">
+                <a14:useLocalDpi xmlns:a14="http://schemas.microsoft.com/office/drawing/2010/main" val="0"/>
+              </a:ext>
+            </a:extLst>
+          </a:blip>
+          <a:srcRect/>
+          <a:stretch>
+            <a:fillRect/>
+          </a:stretch>
+        </p:blipFill>
+        <p:spPr bwMode="auto">
+          <a:xfrm>
+            <a:off x="7772400" y="4572000"/>
+            <a:ext cx="1219200" cy="1219200"/>
+          </a:xfrm>
+          <a:prstGeom prst="rect">
+            <a:avLst/>
+          </a:prstGeom>
+          <a:noFill/>
+          <a:extLst>
+            <a:ext uri="{909E8E84-426E-40DD-AFC4-6F175D3DCCD1}">
+              <a14:hiddenFill xmlns:a14="http://schemas.microsoft.com/office/drawing/2010/main">
+                <a:solidFill>
+                  <a:srgbClr val="FFFFFF"/>
+                </a:solidFill>
+              </a14:hiddenFill>
+            </a:ext>
+          </a:extLst>
+        </p:spPr>
+      </p:pic>
     </p:spTree>
     <p:extLst>
       <p:ext uri="{BB962C8B-B14F-4D97-AF65-F5344CB8AC3E}">
@@ -4327,6 +4350,47 @@
           </a:p>
         </p:txBody>
       </p:sp>
+      <p:pic>
+        <p:nvPicPr>
+          <p:cNvPr id="4" name="Picture 2" descr="C:\Users\Josh\Documents\ASSIGNMENTS\Eevee-Hound-Final\aj-testing\DXBase\el.png"/>
+          <p:cNvPicPr>
+            <a:picLocks noChangeAspect="1" noChangeArrowheads="1"/>
+          </p:cNvPicPr>
+          <p:nvPr/>
+        </p:nvPicPr>
+        <p:blipFill>
+          <a:blip r:embed="rId2" cstate="print">
+            <a:extLst>
+              <a:ext uri="{28A0092B-C50C-407E-A947-70E740481C1C}">
+                <a14:useLocalDpi xmlns:a14="http://schemas.microsoft.com/office/drawing/2010/main" val="0"/>
+              </a:ext>
+            </a:extLst>
+          </a:blip>
+          <a:srcRect/>
+          <a:stretch>
+            <a:fillRect/>
+          </a:stretch>
+        </p:blipFill>
+        <p:spPr bwMode="auto">
+          <a:xfrm>
+            <a:off x="7772400" y="4572000"/>
+            <a:ext cx="1219200" cy="1219200"/>
+          </a:xfrm>
+          <a:prstGeom prst="rect">
+            <a:avLst/>
+          </a:prstGeom>
+          <a:noFill/>
+          <a:extLst>
+            <a:ext uri="{909E8E84-426E-40DD-AFC4-6F175D3DCCD1}">
+              <a14:hiddenFill xmlns:a14="http://schemas.microsoft.com/office/drawing/2010/main">
+                <a:solidFill>
+                  <a:srgbClr val="FFFFFF"/>
+                </a:solidFill>
+              </a14:hiddenFill>
+            </a:ext>
+          </a:extLst>
+        </p:spPr>
+      </p:pic>
     </p:spTree>
     <p:extLst>
       <p:ext uri="{BB962C8B-B14F-4D97-AF65-F5344CB8AC3E}">
@@ -4445,6 +4509,47 @@
           </a:p>
         </p:txBody>
       </p:sp>
+      <p:pic>
+        <p:nvPicPr>
+          <p:cNvPr id="4" name="Picture 2" descr="C:\Users\Josh\Documents\ASSIGNMENTS\Eevee-Hound-Final\aj-testing\DXBase\el.png"/>
+          <p:cNvPicPr>
+            <a:picLocks noChangeAspect="1" noChangeArrowheads="1"/>
+          </p:cNvPicPr>
+          <p:nvPr/>
+        </p:nvPicPr>
+        <p:blipFill>
+          <a:blip r:embed="rId2" cstate="print">
+            <a:extLst>
+              <a:ext uri="{28A0092B-C50C-407E-A947-70E740481C1C}">
+                <a14:useLocalDpi xmlns:a14="http://schemas.microsoft.com/office/drawing/2010/main" val="0"/>
+              </a:ext>
+            </a:extLst>
+          </a:blip>
+          <a:srcRect/>
+          <a:stretch>
+            <a:fillRect/>
+          </a:stretch>
+        </p:blipFill>
+        <p:spPr bwMode="auto">
+          <a:xfrm>
+            <a:off x="7772400" y="4572000"/>
+            <a:ext cx="1219200" cy="1219200"/>
+          </a:xfrm>
+          <a:prstGeom prst="rect">
+            <a:avLst/>
+          </a:prstGeom>
+          <a:noFill/>
+          <a:extLst>
+            <a:ext uri="{909E8E84-426E-40DD-AFC4-6F175D3DCCD1}">
+              <a14:hiddenFill xmlns:a14="http://schemas.microsoft.com/office/drawing/2010/main">
+                <a:solidFill>
+                  <a:srgbClr val="FFFFFF"/>
+                </a:solidFill>
+              </a14:hiddenFill>
+            </a:ext>
+          </a:extLst>
+        </p:spPr>
+      </p:pic>
     </p:spTree>
     <p:extLst>
       <p:ext uri="{BB962C8B-B14F-4D97-AF65-F5344CB8AC3E}">
@@ -4516,7 +4621,12 @@
             <p:ph sz="quarter" idx="13"/>
           </p:nvPr>
         </p:nvSpPr>
-        <p:spPr/>
+        <p:spPr>
+          <a:xfrm>
+            <a:off x="533400" y="1600200"/>
+            <a:ext cx="7696200" cy="4114800"/>
+          </a:xfrm>
+        </p:spPr>
         <p:txBody>
           <a:bodyPr>
             <a:normAutofit/>
@@ -4524,48 +4634,89 @@
           <a:lstStyle/>
           <a:p>
             <a:r>
-              <a:rPr lang="en-US" sz="2800" dirty="0" smtClean="0"/>
+              <a:rPr lang="en-US" sz="2400" dirty="0" smtClean="0"/>
               <a:t>Item Drop system </a:t>
             </a:r>
           </a:p>
           <a:p>
             <a:pPr lvl="1"/>
             <a:r>
-              <a:rPr lang="en-US" sz="2800" dirty="0" smtClean="0"/>
+              <a:rPr lang="en-US" sz="2400" dirty="0" smtClean="0"/>
               <a:t>Delivery system for parts </a:t>
             </a:r>
           </a:p>
           <a:p>
             <a:pPr lvl="1"/>
             <a:r>
-              <a:rPr lang="en-US" sz="2800" dirty="0" smtClean="0"/>
+              <a:rPr lang="en-US" sz="2400" dirty="0" smtClean="0"/>
               <a:t>Spawns a random part from players item holder on death </a:t>
             </a:r>
           </a:p>
           <a:p>
             <a:pPr lvl="1"/>
             <a:r>
-              <a:rPr lang="en-US" sz="2800" dirty="0" smtClean="0"/>
+              <a:rPr lang="en-US" sz="2400" dirty="0" smtClean="0"/>
               <a:t>Spawns random parts from enemy mobs</a:t>
             </a:r>
           </a:p>
           <a:p>
             <a:pPr lvl="1"/>
             <a:r>
-              <a:rPr lang="en-US" sz="2800" dirty="0" smtClean="0"/>
+              <a:rPr lang="en-US" sz="2400" dirty="0" smtClean="0"/>
               <a:t>Adds / Removes part from player class</a:t>
             </a:r>
           </a:p>
           <a:p>
             <a:pPr lvl="1"/>
             <a:r>
-              <a:rPr lang="en-US" sz="2800" dirty="0" smtClean="0"/>
+              <a:rPr lang="en-US" sz="2400" dirty="0" smtClean="0"/>
               <a:t>Removes / Drops Item from defeated enemy class</a:t>
             </a:r>
-            <a:endParaRPr lang="en-US" sz="2800" dirty="0"/>
-          </a:p>
-        </p:txBody>
-      </p:sp>
+            <a:endParaRPr lang="en-US" sz="2400" dirty="0"/>
+          </a:p>
+        </p:txBody>
+      </p:sp>
+      <p:pic>
+        <p:nvPicPr>
+          <p:cNvPr id="4" name="Picture 2" descr="C:\Users\Josh\Documents\ASSIGNMENTS\Eevee-Hound-Final\aj-testing\DXBase\el.png"/>
+          <p:cNvPicPr>
+            <a:picLocks noChangeAspect="1" noChangeArrowheads="1"/>
+          </p:cNvPicPr>
+          <p:nvPr/>
+        </p:nvPicPr>
+        <p:blipFill>
+          <a:blip r:embed="rId2" cstate="print">
+            <a:extLst>
+              <a:ext uri="{28A0092B-C50C-407E-A947-70E740481C1C}">
+                <a14:useLocalDpi xmlns:a14="http://schemas.microsoft.com/office/drawing/2010/main" val="0"/>
+              </a:ext>
+            </a:extLst>
+          </a:blip>
+          <a:srcRect/>
+          <a:stretch>
+            <a:fillRect/>
+          </a:stretch>
+        </p:blipFill>
+        <p:spPr bwMode="auto">
+          <a:xfrm>
+            <a:off x="7772400" y="4572000"/>
+            <a:ext cx="1219200" cy="1219200"/>
+          </a:xfrm>
+          <a:prstGeom prst="rect">
+            <a:avLst/>
+          </a:prstGeom>
+          <a:noFill/>
+          <a:extLst>
+            <a:ext uri="{909E8E84-426E-40DD-AFC4-6F175D3DCCD1}">
+              <a14:hiddenFill xmlns:a14="http://schemas.microsoft.com/office/drawing/2010/main">
+                <a:solidFill>
+                  <a:srgbClr val="FFFFFF"/>
+                </a:solidFill>
+              </a14:hiddenFill>
+            </a:ext>
+          </a:extLst>
+        </p:spPr>
+      </p:pic>
     </p:spTree>
     <p:extLst>
       <p:ext uri="{BB962C8B-B14F-4D97-AF65-F5344CB8AC3E}">
@@ -4662,6 +4813,47 @@
           </a:p>
         </p:txBody>
       </p:sp>
+      <p:pic>
+        <p:nvPicPr>
+          <p:cNvPr id="4" name="Picture 2" descr="C:\Users\Josh\Documents\ASSIGNMENTS\Eevee-Hound-Final\aj-testing\DXBase\el.png"/>
+          <p:cNvPicPr>
+            <a:picLocks noChangeAspect="1" noChangeArrowheads="1"/>
+          </p:cNvPicPr>
+          <p:nvPr/>
+        </p:nvPicPr>
+        <p:blipFill>
+          <a:blip r:embed="rId2" cstate="print">
+            <a:extLst>
+              <a:ext uri="{28A0092B-C50C-407E-A947-70E740481C1C}">
+                <a14:useLocalDpi xmlns:a14="http://schemas.microsoft.com/office/drawing/2010/main" val="0"/>
+              </a:ext>
+            </a:extLst>
+          </a:blip>
+          <a:srcRect/>
+          <a:stretch>
+            <a:fillRect/>
+          </a:stretch>
+        </p:blipFill>
+        <p:spPr bwMode="auto">
+          <a:xfrm>
+            <a:off x="7772400" y="4572000"/>
+            <a:ext cx="1219200" cy="1219200"/>
+          </a:xfrm>
+          <a:prstGeom prst="rect">
+            <a:avLst/>
+          </a:prstGeom>
+          <a:noFill/>
+          <a:extLst>
+            <a:ext uri="{909E8E84-426E-40DD-AFC4-6F175D3DCCD1}">
+              <a14:hiddenFill xmlns:a14="http://schemas.microsoft.com/office/drawing/2010/main">
+                <a:solidFill>
+                  <a:srgbClr val="FFFFFF"/>
+                </a:solidFill>
+              </a14:hiddenFill>
+            </a:ext>
+          </a:extLst>
+        </p:spPr>
+      </p:pic>
     </p:spTree>
     <p:extLst>
       <p:ext uri="{BB962C8B-B14F-4D97-AF65-F5344CB8AC3E}">
@@ -4781,6 +4973,47 @@
           </a:p>
         </p:txBody>
       </p:sp>
+      <p:pic>
+        <p:nvPicPr>
+          <p:cNvPr id="4" name="Picture 2" descr="C:\Users\Josh\Documents\ASSIGNMENTS\Eevee-Hound-Final\aj-testing\DXBase\el.png"/>
+          <p:cNvPicPr>
+            <a:picLocks noChangeAspect="1" noChangeArrowheads="1"/>
+          </p:cNvPicPr>
+          <p:nvPr/>
+        </p:nvPicPr>
+        <p:blipFill>
+          <a:blip r:embed="rId2" cstate="print">
+            <a:extLst>
+              <a:ext uri="{28A0092B-C50C-407E-A947-70E740481C1C}">
+                <a14:useLocalDpi xmlns:a14="http://schemas.microsoft.com/office/drawing/2010/main" val="0"/>
+              </a:ext>
+            </a:extLst>
+          </a:blip>
+          <a:srcRect/>
+          <a:stretch>
+            <a:fillRect/>
+          </a:stretch>
+        </p:blipFill>
+        <p:spPr bwMode="auto">
+          <a:xfrm>
+            <a:off x="7772400" y="4572000"/>
+            <a:ext cx="1219200" cy="1219200"/>
+          </a:xfrm>
+          <a:prstGeom prst="rect">
+            <a:avLst/>
+          </a:prstGeom>
+          <a:noFill/>
+          <a:extLst>
+            <a:ext uri="{909E8E84-426E-40DD-AFC4-6F175D3DCCD1}">
+              <a14:hiddenFill xmlns:a14="http://schemas.microsoft.com/office/drawing/2010/main">
+                <a:solidFill>
+                  <a:srgbClr val="FFFFFF"/>
+                </a:solidFill>
+              </a14:hiddenFill>
+            </a:ext>
+          </a:extLst>
+        </p:spPr>
+      </p:pic>
     </p:spTree>
     <p:extLst>
       <p:ext uri="{BB962C8B-B14F-4D97-AF65-F5344CB8AC3E}">
@@ -4861,6 +5094,47 @@
           </a:p>
         </p:txBody>
       </p:sp>
+      <p:pic>
+        <p:nvPicPr>
+          <p:cNvPr id="4" name="Picture 2" descr="C:\Users\Josh\Documents\ASSIGNMENTS\Eevee-Hound-Final\aj-testing\DXBase\el.png"/>
+          <p:cNvPicPr>
+            <a:picLocks noChangeAspect="1" noChangeArrowheads="1"/>
+          </p:cNvPicPr>
+          <p:nvPr/>
+        </p:nvPicPr>
+        <p:blipFill>
+          <a:blip r:embed="rId2" cstate="print">
+            <a:extLst>
+              <a:ext uri="{28A0092B-C50C-407E-A947-70E740481C1C}">
+                <a14:useLocalDpi xmlns:a14="http://schemas.microsoft.com/office/drawing/2010/main" val="0"/>
+              </a:ext>
+            </a:extLst>
+          </a:blip>
+          <a:srcRect/>
+          <a:stretch>
+            <a:fillRect/>
+          </a:stretch>
+        </p:blipFill>
+        <p:spPr bwMode="auto">
+          <a:xfrm>
+            <a:off x="7772400" y="4572000"/>
+            <a:ext cx="1219200" cy="1219200"/>
+          </a:xfrm>
+          <a:prstGeom prst="rect">
+            <a:avLst/>
+          </a:prstGeom>
+          <a:noFill/>
+          <a:extLst>
+            <a:ext uri="{909E8E84-426E-40DD-AFC4-6F175D3DCCD1}">
+              <a14:hiddenFill xmlns:a14="http://schemas.microsoft.com/office/drawing/2010/main">
+                <a:solidFill>
+                  <a:srgbClr val="FFFFFF"/>
+                </a:solidFill>
+              </a14:hiddenFill>
+            </a:ext>
+          </a:extLst>
+        </p:spPr>
+      </p:pic>
     </p:spTree>
     <p:extLst>
       <p:ext uri="{BB962C8B-B14F-4D97-AF65-F5344CB8AC3E}">
@@ -4959,6 +5233,47 @@
           </a:p>
         </p:txBody>
       </p:sp>
+      <p:pic>
+        <p:nvPicPr>
+          <p:cNvPr id="4" name="Picture 2" descr="C:\Users\Josh\Documents\ASSIGNMENTS\Eevee-Hound-Final\aj-testing\DXBase\el.png"/>
+          <p:cNvPicPr>
+            <a:picLocks noChangeAspect="1" noChangeArrowheads="1"/>
+          </p:cNvPicPr>
+          <p:nvPr/>
+        </p:nvPicPr>
+        <p:blipFill>
+          <a:blip r:embed="rId2" cstate="print">
+            <a:extLst>
+              <a:ext uri="{28A0092B-C50C-407E-A947-70E740481C1C}">
+                <a14:useLocalDpi xmlns:a14="http://schemas.microsoft.com/office/drawing/2010/main" val="0"/>
+              </a:ext>
+            </a:extLst>
+          </a:blip>
+          <a:srcRect/>
+          <a:stretch>
+            <a:fillRect/>
+          </a:stretch>
+        </p:blipFill>
+        <p:spPr bwMode="auto">
+          <a:xfrm>
+            <a:off x="7772400" y="4572000"/>
+            <a:ext cx="1219200" cy="1219200"/>
+          </a:xfrm>
+          <a:prstGeom prst="rect">
+            <a:avLst/>
+          </a:prstGeom>
+          <a:noFill/>
+          <a:extLst>
+            <a:ext uri="{909E8E84-426E-40DD-AFC4-6F175D3DCCD1}">
+              <a14:hiddenFill xmlns:a14="http://schemas.microsoft.com/office/drawing/2010/main">
+                <a:solidFill>
+                  <a:srgbClr val="FFFFFF"/>
+                </a:solidFill>
+              </a14:hiddenFill>
+            </a:ext>
+          </a:extLst>
+        </p:spPr>
+      </p:pic>
     </p:spTree>
     <p:extLst>
       <p:ext uri="{BB962C8B-B14F-4D97-AF65-F5344CB8AC3E}">
@@ -5056,6 +5371,47 @@
           </a:p>
         </p:txBody>
       </p:sp>
+      <p:pic>
+        <p:nvPicPr>
+          <p:cNvPr id="4" name="Picture 2" descr="C:\Users\Josh\Documents\ASSIGNMENTS\Eevee-Hound-Final\aj-testing\DXBase\el.png"/>
+          <p:cNvPicPr>
+            <a:picLocks noChangeAspect="1" noChangeArrowheads="1"/>
+          </p:cNvPicPr>
+          <p:nvPr/>
+        </p:nvPicPr>
+        <p:blipFill>
+          <a:blip r:embed="rId2" cstate="print">
+            <a:extLst>
+              <a:ext uri="{28A0092B-C50C-407E-A947-70E740481C1C}">
+                <a14:useLocalDpi xmlns:a14="http://schemas.microsoft.com/office/drawing/2010/main" val="0"/>
+              </a:ext>
+            </a:extLst>
+          </a:blip>
+          <a:srcRect/>
+          <a:stretch>
+            <a:fillRect/>
+          </a:stretch>
+        </p:blipFill>
+        <p:spPr bwMode="auto">
+          <a:xfrm>
+            <a:off x="7772400" y="4572000"/>
+            <a:ext cx="1219200" cy="1219200"/>
+          </a:xfrm>
+          <a:prstGeom prst="rect">
+            <a:avLst/>
+          </a:prstGeom>
+          <a:noFill/>
+          <a:extLst>
+            <a:ext uri="{909E8E84-426E-40DD-AFC4-6F175D3DCCD1}">
+              <a14:hiddenFill xmlns:a14="http://schemas.microsoft.com/office/drawing/2010/main">
+                <a:solidFill>
+                  <a:srgbClr val="FFFFFF"/>
+                </a:solidFill>
+              </a14:hiddenFill>
+            </a:ext>
+          </a:extLst>
+        </p:spPr>
+      </p:pic>
     </p:spTree>
     <p:extLst>
       <p:ext uri="{BB962C8B-B14F-4D97-AF65-F5344CB8AC3E}">
@@ -5115,6 +5471,47 @@
           </a:p>
         </p:txBody>
       </p:sp>
+      <p:pic>
+        <p:nvPicPr>
+          <p:cNvPr id="3" name="Picture 2" descr="C:\Users\Josh\Documents\ASSIGNMENTS\Eevee-Hound-Final\aj-testing\DXBase\el.png"/>
+          <p:cNvPicPr>
+            <a:picLocks noChangeAspect="1" noChangeArrowheads="1"/>
+          </p:cNvPicPr>
+          <p:nvPr/>
+        </p:nvPicPr>
+        <p:blipFill>
+          <a:blip r:embed="rId2" cstate="print">
+            <a:extLst>
+              <a:ext uri="{28A0092B-C50C-407E-A947-70E740481C1C}">
+                <a14:useLocalDpi xmlns:a14="http://schemas.microsoft.com/office/drawing/2010/main" val="0"/>
+              </a:ext>
+            </a:extLst>
+          </a:blip>
+          <a:srcRect/>
+          <a:stretch>
+            <a:fillRect/>
+          </a:stretch>
+        </p:blipFill>
+        <p:spPr bwMode="auto">
+          <a:xfrm>
+            <a:off x="7772400" y="4572000"/>
+            <a:ext cx="1219200" cy="1219200"/>
+          </a:xfrm>
+          <a:prstGeom prst="rect">
+            <a:avLst/>
+          </a:prstGeom>
+          <a:noFill/>
+          <a:extLst>
+            <a:ext uri="{909E8E84-426E-40DD-AFC4-6F175D3DCCD1}">
+              <a14:hiddenFill xmlns:a14="http://schemas.microsoft.com/office/drawing/2010/main">
+                <a:solidFill>
+                  <a:srgbClr val="FFFFFF"/>
+                </a:solidFill>
+              </a14:hiddenFill>
+            </a:ext>
+          </a:extLst>
+        </p:spPr>
+      </p:pic>
     </p:spTree>
     <p:extLst>
       <p:ext uri="{BB962C8B-B14F-4D97-AF65-F5344CB8AC3E}">
@@ -5239,6 +5636,47 @@
           </a:p>
         </p:txBody>
       </p:sp>
+      <p:pic>
+        <p:nvPicPr>
+          <p:cNvPr id="5" name="Picture 2" descr="C:\Users\Josh\Documents\ASSIGNMENTS\Eevee-Hound-Final\aj-testing\DXBase\el.png"/>
+          <p:cNvPicPr>
+            <a:picLocks noChangeAspect="1" noChangeArrowheads="1"/>
+          </p:cNvPicPr>
+          <p:nvPr/>
+        </p:nvPicPr>
+        <p:blipFill>
+          <a:blip r:embed="rId3" cstate="print">
+            <a:extLst>
+              <a:ext uri="{28A0092B-C50C-407E-A947-70E740481C1C}">
+                <a14:useLocalDpi xmlns:a14="http://schemas.microsoft.com/office/drawing/2010/main" val="0"/>
+              </a:ext>
+            </a:extLst>
+          </a:blip>
+          <a:srcRect/>
+          <a:stretch>
+            <a:fillRect/>
+          </a:stretch>
+        </p:blipFill>
+        <p:spPr bwMode="auto">
+          <a:xfrm>
+            <a:off x="7772400" y="4572000"/>
+            <a:ext cx="1219200" cy="1219200"/>
+          </a:xfrm>
+          <a:prstGeom prst="rect">
+            <a:avLst/>
+          </a:prstGeom>
+          <a:noFill/>
+          <a:extLst>
+            <a:ext uri="{909E8E84-426E-40DD-AFC4-6F175D3DCCD1}">
+              <a14:hiddenFill xmlns:a14="http://schemas.microsoft.com/office/drawing/2010/main">
+                <a:solidFill>
+                  <a:srgbClr val="FFFFFF"/>
+                </a:solidFill>
+              </a14:hiddenFill>
+            </a:ext>
+          </a:extLst>
+        </p:spPr>
+      </p:pic>
     </p:spTree>
     <p:extLst>
       <p:ext uri="{BB962C8B-B14F-4D97-AF65-F5344CB8AC3E}">
@@ -5368,6 +5806,47 @@
           </a:p>
         </p:txBody>
       </p:sp>
+      <p:pic>
+        <p:nvPicPr>
+          <p:cNvPr id="5" name="Picture 2" descr="C:\Users\Josh\Documents\ASSIGNMENTS\Eevee-Hound-Final\aj-testing\DXBase\el.png"/>
+          <p:cNvPicPr>
+            <a:picLocks noChangeAspect="1" noChangeArrowheads="1"/>
+          </p:cNvPicPr>
+          <p:nvPr/>
+        </p:nvPicPr>
+        <p:blipFill>
+          <a:blip r:embed="rId2" cstate="print">
+            <a:extLst>
+              <a:ext uri="{28A0092B-C50C-407E-A947-70E740481C1C}">
+                <a14:useLocalDpi xmlns:a14="http://schemas.microsoft.com/office/drawing/2010/main" val="0"/>
+              </a:ext>
+            </a:extLst>
+          </a:blip>
+          <a:srcRect/>
+          <a:stretch>
+            <a:fillRect/>
+          </a:stretch>
+        </p:blipFill>
+        <p:spPr bwMode="auto">
+          <a:xfrm>
+            <a:off x="7772400" y="4572000"/>
+            <a:ext cx="1219200" cy="1219200"/>
+          </a:xfrm>
+          <a:prstGeom prst="rect">
+            <a:avLst/>
+          </a:prstGeom>
+          <a:noFill/>
+          <a:extLst>
+            <a:ext uri="{909E8E84-426E-40DD-AFC4-6F175D3DCCD1}">
+              <a14:hiddenFill xmlns:a14="http://schemas.microsoft.com/office/drawing/2010/main">
+                <a:solidFill>
+                  <a:srgbClr val="FFFFFF"/>
+                </a:solidFill>
+              </a14:hiddenFill>
+            </a:ext>
+          </a:extLst>
+        </p:spPr>
+      </p:pic>
     </p:spTree>
     <p:extLst>
       <p:ext uri="{BB962C8B-B14F-4D97-AF65-F5344CB8AC3E}">
@@ -5469,6 +5948,47 @@
           </a:p>
         </p:txBody>
       </p:sp>
+      <p:pic>
+        <p:nvPicPr>
+          <p:cNvPr id="4" name="Picture 2" descr="C:\Users\Josh\Documents\ASSIGNMENTS\Eevee-Hound-Final\aj-testing\DXBase\el.png"/>
+          <p:cNvPicPr>
+            <a:picLocks noChangeAspect="1" noChangeArrowheads="1"/>
+          </p:cNvPicPr>
+          <p:nvPr/>
+        </p:nvPicPr>
+        <p:blipFill>
+          <a:blip r:embed="rId2" cstate="print">
+            <a:extLst>
+              <a:ext uri="{28A0092B-C50C-407E-A947-70E740481C1C}">
+                <a14:useLocalDpi xmlns:a14="http://schemas.microsoft.com/office/drawing/2010/main" val="0"/>
+              </a:ext>
+            </a:extLst>
+          </a:blip>
+          <a:srcRect/>
+          <a:stretch>
+            <a:fillRect/>
+          </a:stretch>
+        </p:blipFill>
+        <p:spPr bwMode="auto">
+          <a:xfrm>
+            <a:off x="7772400" y="4572000"/>
+            <a:ext cx="1219200" cy="1219200"/>
+          </a:xfrm>
+          <a:prstGeom prst="rect">
+            <a:avLst/>
+          </a:prstGeom>
+          <a:noFill/>
+          <a:extLst>
+            <a:ext uri="{909E8E84-426E-40DD-AFC4-6F175D3DCCD1}">
+              <a14:hiddenFill xmlns:a14="http://schemas.microsoft.com/office/drawing/2010/main">
+                <a:solidFill>
+                  <a:srgbClr val="FFFFFF"/>
+                </a:solidFill>
+              </a14:hiddenFill>
+            </a:ext>
+          </a:extLst>
+        </p:spPr>
+      </p:pic>
     </p:spTree>
     <p:extLst>
       <p:ext uri="{BB962C8B-B14F-4D97-AF65-F5344CB8AC3E}">
@@ -5607,6 +6127,47 @@
           </a:p>
         </p:txBody>
       </p:sp>
+      <p:pic>
+        <p:nvPicPr>
+          <p:cNvPr id="4" name="Picture 2" descr="C:\Users\Josh\Documents\ASSIGNMENTS\Eevee-Hound-Final\aj-testing\DXBase\el.png"/>
+          <p:cNvPicPr>
+            <a:picLocks noChangeAspect="1" noChangeArrowheads="1"/>
+          </p:cNvPicPr>
+          <p:nvPr/>
+        </p:nvPicPr>
+        <p:blipFill>
+          <a:blip r:embed="rId2" cstate="print">
+            <a:extLst>
+              <a:ext uri="{28A0092B-C50C-407E-A947-70E740481C1C}">
+                <a14:useLocalDpi xmlns:a14="http://schemas.microsoft.com/office/drawing/2010/main" val="0"/>
+              </a:ext>
+            </a:extLst>
+          </a:blip>
+          <a:srcRect/>
+          <a:stretch>
+            <a:fillRect/>
+          </a:stretch>
+        </p:blipFill>
+        <p:spPr bwMode="auto">
+          <a:xfrm>
+            <a:off x="7772400" y="4572000"/>
+            <a:ext cx="1219200" cy="1219200"/>
+          </a:xfrm>
+          <a:prstGeom prst="rect">
+            <a:avLst/>
+          </a:prstGeom>
+          <a:noFill/>
+          <a:extLst>
+            <a:ext uri="{909E8E84-426E-40DD-AFC4-6F175D3DCCD1}">
+              <a14:hiddenFill xmlns:a14="http://schemas.microsoft.com/office/drawing/2010/main">
+                <a:solidFill>
+                  <a:srgbClr val="FFFFFF"/>
+                </a:solidFill>
+              </a14:hiddenFill>
+            </a:ext>
+          </a:extLst>
+        </p:spPr>
+      </p:pic>
     </p:spTree>
     <p:extLst>
       <p:ext uri="{BB962C8B-B14F-4D97-AF65-F5344CB8AC3E}">
@@ -5702,6 +6263,47 @@
           </a:p>
         </p:txBody>
       </p:sp>
+      <p:pic>
+        <p:nvPicPr>
+          <p:cNvPr id="4" name="Picture 2" descr="C:\Users\Josh\Documents\ASSIGNMENTS\Eevee-Hound-Final\aj-testing\DXBase\el.png"/>
+          <p:cNvPicPr>
+            <a:picLocks noChangeAspect="1" noChangeArrowheads="1"/>
+          </p:cNvPicPr>
+          <p:nvPr/>
+        </p:nvPicPr>
+        <p:blipFill>
+          <a:blip r:embed="rId2" cstate="print">
+            <a:extLst>
+              <a:ext uri="{28A0092B-C50C-407E-A947-70E740481C1C}">
+                <a14:useLocalDpi xmlns:a14="http://schemas.microsoft.com/office/drawing/2010/main" val="0"/>
+              </a:ext>
+            </a:extLst>
+          </a:blip>
+          <a:srcRect/>
+          <a:stretch>
+            <a:fillRect/>
+          </a:stretch>
+        </p:blipFill>
+        <p:spPr bwMode="auto">
+          <a:xfrm>
+            <a:off x="7772400" y="4572000"/>
+            <a:ext cx="1219200" cy="1219200"/>
+          </a:xfrm>
+          <a:prstGeom prst="rect">
+            <a:avLst/>
+          </a:prstGeom>
+          <a:noFill/>
+          <a:extLst>
+            <a:ext uri="{909E8E84-426E-40DD-AFC4-6F175D3DCCD1}">
+              <a14:hiddenFill xmlns:a14="http://schemas.microsoft.com/office/drawing/2010/main">
+                <a:solidFill>
+                  <a:srgbClr val="FFFFFF"/>
+                </a:solidFill>
+              </a14:hiddenFill>
+            </a:ext>
+          </a:extLst>
+        </p:spPr>
+      </p:pic>
     </p:spTree>
     <p:extLst>
       <p:ext uri="{BB962C8B-B14F-4D97-AF65-F5344CB8AC3E}">
@@ -5777,9 +6379,16 @@
             <p:ph sz="quarter" idx="13"/>
           </p:nvPr>
         </p:nvSpPr>
-        <p:spPr/>
-        <p:txBody>
-          <a:bodyPr/>
+        <p:spPr>
+          <a:xfrm>
+            <a:off x="609600" y="1600200"/>
+            <a:ext cx="7543800" cy="4114800"/>
+          </a:xfrm>
+        </p:spPr>
+        <p:txBody>
+          <a:bodyPr>
+            <a:normAutofit fontScale="92500"/>
+          </a:bodyPr>
           <a:lstStyle/>
           <a:p>
             <a:r>
@@ -5798,6 +6407,47 @@
           </a:p>
         </p:txBody>
       </p:sp>
+      <p:pic>
+        <p:nvPicPr>
+          <p:cNvPr id="4" name="Picture 2" descr="C:\Users\Josh\Documents\ASSIGNMENTS\Eevee-Hound-Final\aj-testing\DXBase\el.png"/>
+          <p:cNvPicPr>
+            <a:picLocks noChangeAspect="1" noChangeArrowheads="1"/>
+          </p:cNvPicPr>
+          <p:nvPr/>
+        </p:nvPicPr>
+        <p:blipFill>
+          <a:blip r:embed="rId2" cstate="print">
+            <a:extLst>
+              <a:ext uri="{28A0092B-C50C-407E-A947-70E740481C1C}">
+                <a14:useLocalDpi xmlns:a14="http://schemas.microsoft.com/office/drawing/2010/main" val="0"/>
+              </a:ext>
+            </a:extLst>
+          </a:blip>
+          <a:srcRect/>
+          <a:stretch>
+            <a:fillRect/>
+          </a:stretch>
+        </p:blipFill>
+        <p:spPr bwMode="auto">
+          <a:xfrm>
+            <a:off x="7772400" y="4572000"/>
+            <a:ext cx="1219200" cy="1219200"/>
+          </a:xfrm>
+          <a:prstGeom prst="rect">
+            <a:avLst/>
+          </a:prstGeom>
+          <a:noFill/>
+          <a:extLst>
+            <a:ext uri="{909E8E84-426E-40DD-AFC4-6F175D3DCCD1}">
+              <a14:hiddenFill xmlns:a14="http://schemas.microsoft.com/office/drawing/2010/main">
+                <a:solidFill>
+                  <a:srgbClr val="FFFFFF"/>
+                </a:solidFill>
+              </a14:hiddenFill>
+            </a:ext>
+          </a:extLst>
+        </p:spPr>
+      </p:pic>
     </p:spTree>
     <p:extLst>
       <p:ext uri="{BB962C8B-B14F-4D97-AF65-F5344CB8AC3E}">
@@ -5908,6 +6558,47 @@
           </a:p>
         </p:txBody>
       </p:sp>
+      <p:pic>
+        <p:nvPicPr>
+          <p:cNvPr id="4" name="Picture 2" descr="C:\Users\Josh\Documents\ASSIGNMENTS\Eevee-Hound-Final\aj-testing\DXBase\el.png"/>
+          <p:cNvPicPr>
+            <a:picLocks noChangeAspect="1" noChangeArrowheads="1"/>
+          </p:cNvPicPr>
+          <p:nvPr/>
+        </p:nvPicPr>
+        <p:blipFill>
+          <a:blip r:embed="rId2" cstate="print">
+            <a:extLst>
+              <a:ext uri="{28A0092B-C50C-407E-A947-70E740481C1C}">
+                <a14:useLocalDpi xmlns:a14="http://schemas.microsoft.com/office/drawing/2010/main" val="0"/>
+              </a:ext>
+            </a:extLst>
+          </a:blip>
+          <a:srcRect/>
+          <a:stretch>
+            <a:fillRect/>
+          </a:stretch>
+        </p:blipFill>
+        <p:spPr bwMode="auto">
+          <a:xfrm>
+            <a:off x="7772400" y="4572000"/>
+            <a:ext cx="1219200" cy="1219200"/>
+          </a:xfrm>
+          <a:prstGeom prst="rect">
+            <a:avLst/>
+          </a:prstGeom>
+          <a:noFill/>
+          <a:extLst>
+            <a:ext uri="{909E8E84-426E-40DD-AFC4-6F175D3DCCD1}">
+              <a14:hiddenFill xmlns:a14="http://schemas.microsoft.com/office/drawing/2010/main">
+                <a:solidFill>
+                  <a:srgbClr val="FFFFFF"/>
+                </a:solidFill>
+              </a14:hiddenFill>
+            </a:ext>
+          </a:extLst>
+        </p:spPr>
+      </p:pic>
     </p:spTree>
     <p:extLst>
       <p:ext uri="{BB962C8B-B14F-4D97-AF65-F5344CB8AC3E}">
@@ -6041,6 +6732,47 @@
           </a:p>
         </p:txBody>
       </p:sp>
+      <p:pic>
+        <p:nvPicPr>
+          <p:cNvPr id="4" name="Picture 2" descr="C:\Users\Josh\Documents\ASSIGNMENTS\Eevee-Hound-Final\aj-testing\DXBase\el.png"/>
+          <p:cNvPicPr>
+            <a:picLocks noChangeAspect="1" noChangeArrowheads="1"/>
+          </p:cNvPicPr>
+          <p:nvPr/>
+        </p:nvPicPr>
+        <p:blipFill>
+          <a:blip r:embed="rId2" cstate="print">
+            <a:extLst>
+              <a:ext uri="{28A0092B-C50C-407E-A947-70E740481C1C}">
+                <a14:useLocalDpi xmlns:a14="http://schemas.microsoft.com/office/drawing/2010/main" val="0"/>
+              </a:ext>
+            </a:extLst>
+          </a:blip>
+          <a:srcRect/>
+          <a:stretch>
+            <a:fillRect/>
+          </a:stretch>
+        </p:blipFill>
+        <p:spPr bwMode="auto">
+          <a:xfrm>
+            <a:off x="7772400" y="4572000"/>
+            <a:ext cx="1219200" cy="1219200"/>
+          </a:xfrm>
+          <a:prstGeom prst="rect">
+            <a:avLst/>
+          </a:prstGeom>
+          <a:noFill/>
+          <a:extLst>
+            <a:ext uri="{909E8E84-426E-40DD-AFC4-6F175D3DCCD1}">
+              <a14:hiddenFill xmlns:a14="http://schemas.microsoft.com/office/drawing/2010/main">
+                <a:solidFill>
+                  <a:srgbClr val="FFFFFF"/>
+                </a:solidFill>
+              </a14:hiddenFill>
+            </a:ext>
+          </a:extLst>
+        </p:spPr>
+      </p:pic>
     </p:spTree>
     <p:extLst>
       <p:ext uri="{BB962C8B-B14F-4D97-AF65-F5344CB8AC3E}">

--- a/elimbination_presentation_v5.pptx
+++ b/elimbination_presentation_v5.pptx
@@ -5,7 +5,7 @@
     <p:sldMasterId id="2147483660" r:id="rId1"/>
   </p:sldMasterIdLst>
   <p:notesMasterIdLst>
-    <p:notesMasterId r:id="rId21"/>
+    <p:notesMasterId r:id="rId22"/>
   </p:notesMasterIdLst>
   <p:sldIdLst>
     <p:sldId id="256" r:id="rId2"/>
@@ -24,9 +24,10 @@
     <p:sldId id="261" r:id="rId15"/>
     <p:sldId id="273" r:id="rId16"/>
     <p:sldId id="272" r:id="rId17"/>
-    <p:sldId id="274" r:id="rId18"/>
-    <p:sldId id="275" r:id="rId19"/>
-    <p:sldId id="266" r:id="rId20"/>
+    <p:sldId id="275" r:id="rId18"/>
+    <p:sldId id="274" r:id="rId19"/>
+    <p:sldId id="276" r:id="rId20"/>
+    <p:sldId id="266" r:id="rId21"/>
   </p:sldIdLst>
   <p:sldSz cx="9144000" cy="6858000" type="screen4x3"/>
   <p:notesSz cx="6858000" cy="9144000"/>
@@ -524,11 +525,887 @@
           <a:p>
             <a:r>
               <a:rPr lang="en-US" dirty="0" smtClean="0"/>
-              <a:t>When we started we wanted to make a real</a:t>
-            </a:r>
-            <a:r>
-              <a:rPr lang="en-US" baseline="0" dirty="0" smtClean="0"/>
-              <a:t> time multiplayer game that allowed players to customize their characters as the match progressed</a:t>
+              <a:t>All</a:t>
+            </a:r>
+            <a:endParaRPr lang="en-US" dirty="0"/>
+          </a:p>
+        </p:txBody>
+      </p:sp>
+      <p:sp>
+        <p:nvSpPr>
+          <p:cNvPr id="4" name="Slide Number Placeholder 3"/>
+          <p:cNvSpPr>
+            <a:spLocks noGrp="1"/>
+          </p:cNvSpPr>
+          <p:nvPr>
+            <p:ph type="sldNum" sz="quarter" idx="10"/>
+          </p:nvPr>
+        </p:nvSpPr>
+        <p:spPr/>
+        <p:txBody>
+          <a:bodyPr/>
+          <a:lstStyle/>
+          <a:p>
+            <a:fld id="{50359553-150F-4238-883E-9958DFB521C5}" type="slidenum">
+              <a:rPr lang="en-US" smtClean="0"/>
+              <a:t>1</a:t>
+            </a:fld>
+            <a:endParaRPr lang="en-US"/>
+          </a:p>
+        </p:txBody>
+      </p:sp>
+    </p:spTree>
+    <p:extLst>
+      <p:ext uri="{BB962C8B-B14F-4D97-AF65-F5344CB8AC3E}">
+        <p14:creationId xmlns:p14="http://schemas.microsoft.com/office/powerpoint/2010/main" val="4182445453"/>
+      </p:ext>
+    </p:extLst>
+  </p:cSld>
+  <p:clrMapOvr>
+    <a:masterClrMapping/>
+  </p:clrMapOvr>
+</p:notes>
+</file>
+
+<file path=ppt/notesSlides/notesSlide10.xml><?xml version="1.0" encoding="utf-8"?>
+<p:notes xmlns:a="http://schemas.openxmlformats.org/drawingml/2006/main" xmlns:r="http://schemas.openxmlformats.org/officeDocument/2006/relationships" xmlns:p="http://schemas.openxmlformats.org/presentationml/2006/main">
+  <p:cSld>
+    <p:spTree>
+      <p:nvGrpSpPr>
+        <p:cNvPr id="1" name=""/>
+        <p:cNvGrpSpPr/>
+        <p:nvPr/>
+      </p:nvGrpSpPr>
+      <p:grpSpPr>
+        <a:xfrm>
+          <a:off x="0" y="0"/>
+          <a:ext cx="0" cy="0"/>
+          <a:chOff x="0" y="0"/>
+          <a:chExt cx="0" cy="0"/>
+        </a:xfrm>
+      </p:grpSpPr>
+      <p:sp>
+        <p:nvSpPr>
+          <p:cNvPr id="2" name="Slide Image Placeholder 1"/>
+          <p:cNvSpPr>
+            <a:spLocks noGrp="1" noRot="1" noChangeAspect="1"/>
+          </p:cNvSpPr>
+          <p:nvPr>
+            <p:ph type="sldImg"/>
+          </p:nvPr>
+        </p:nvSpPr>
+        <p:spPr/>
+      </p:sp>
+      <p:sp>
+        <p:nvSpPr>
+          <p:cNvPr id="3" name="Notes Placeholder 2"/>
+          <p:cNvSpPr>
+            <a:spLocks noGrp="1"/>
+          </p:cNvSpPr>
+          <p:nvPr>
+            <p:ph type="body" idx="1"/>
+          </p:nvPr>
+        </p:nvSpPr>
+        <p:spPr/>
+        <p:txBody>
+          <a:bodyPr/>
+          <a:lstStyle/>
+          <a:p>
+            <a:r>
+              <a:rPr lang="en-US" dirty="0" smtClean="0"/>
+              <a:t>Tyler</a:t>
+            </a:r>
+            <a:endParaRPr lang="en-US" dirty="0"/>
+          </a:p>
+        </p:txBody>
+      </p:sp>
+      <p:sp>
+        <p:nvSpPr>
+          <p:cNvPr id="4" name="Slide Number Placeholder 3"/>
+          <p:cNvSpPr>
+            <a:spLocks noGrp="1"/>
+          </p:cNvSpPr>
+          <p:nvPr>
+            <p:ph type="sldNum" sz="quarter" idx="10"/>
+          </p:nvPr>
+        </p:nvSpPr>
+        <p:spPr/>
+        <p:txBody>
+          <a:bodyPr/>
+          <a:lstStyle/>
+          <a:p>
+            <a:fld id="{50359553-150F-4238-883E-9958DFB521C5}" type="slidenum">
+              <a:rPr lang="en-US" smtClean="0"/>
+              <a:t>10</a:t>
+            </a:fld>
+            <a:endParaRPr lang="en-US"/>
+          </a:p>
+        </p:txBody>
+      </p:sp>
+    </p:spTree>
+    <p:extLst>
+      <p:ext uri="{BB962C8B-B14F-4D97-AF65-F5344CB8AC3E}">
+        <p14:creationId xmlns:p14="http://schemas.microsoft.com/office/powerpoint/2010/main" val="2749146616"/>
+      </p:ext>
+    </p:extLst>
+  </p:cSld>
+  <p:clrMapOvr>
+    <a:masterClrMapping/>
+  </p:clrMapOvr>
+</p:notes>
+</file>
+
+<file path=ppt/notesSlides/notesSlide11.xml><?xml version="1.0" encoding="utf-8"?>
+<p:notes xmlns:a="http://schemas.openxmlformats.org/drawingml/2006/main" xmlns:r="http://schemas.openxmlformats.org/officeDocument/2006/relationships" xmlns:p="http://schemas.openxmlformats.org/presentationml/2006/main">
+  <p:cSld>
+    <p:spTree>
+      <p:nvGrpSpPr>
+        <p:cNvPr id="1" name=""/>
+        <p:cNvGrpSpPr/>
+        <p:nvPr/>
+      </p:nvGrpSpPr>
+      <p:grpSpPr>
+        <a:xfrm>
+          <a:off x="0" y="0"/>
+          <a:ext cx="0" cy="0"/>
+          <a:chOff x="0" y="0"/>
+          <a:chExt cx="0" cy="0"/>
+        </a:xfrm>
+      </p:grpSpPr>
+      <p:sp>
+        <p:nvSpPr>
+          <p:cNvPr id="2" name="Slide Image Placeholder 1"/>
+          <p:cNvSpPr>
+            <a:spLocks noGrp="1" noRot="1" noChangeAspect="1"/>
+          </p:cNvSpPr>
+          <p:nvPr>
+            <p:ph type="sldImg"/>
+          </p:nvPr>
+        </p:nvSpPr>
+        <p:spPr/>
+      </p:sp>
+      <p:sp>
+        <p:nvSpPr>
+          <p:cNvPr id="3" name="Notes Placeholder 2"/>
+          <p:cNvSpPr>
+            <a:spLocks noGrp="1"/>
+          </p:cNvSpPr>
+          <p:nvPr>
+            <p:ph type="body" idx="1"/>
+          </p:nvPr>
+        </p:nvSpPr>
+        <p:spPr/>
+        <p:txBody>
+          <a:bodyPr/>
+          <a:lstStyle/>
+          <a:p>
+            <a:r>
+              <a:rPr lang="en-US" dirty="0" err="1" smtClean="0"/>
+              <a:t>Foly</a:t>
+            </a:r>
+            <a:endParaRPr lang="en-US" dirty="0"/>
+          </a:p>
+        </p:txBody>
+      </p:sp>
+      <p:sp>
+        <p:nvSpPr>
+          <p:cNvPr id="4" name="Slide Number Placeholder 3"/>
+          <p:cNvSpPr>
+            <a:spLocks noGrp="1"/>
+          </p:cNvSpPr>
+          <p:nvPr>
+            <p:ph type="sldNum" sz="quarter" idx="10"/>
+          </p:nvPr>
+        </p:nvSpPr>
+        <p:spPr/>
+        <p:txBody>
+          <a:bodyPr/>
+          <a:lstStyle/>
+          <a:p>
+            <a:fld id="{50359553-150F-4238-883E-9958DFB521C5}" type="slidenum">
+              <a:rPr lang="en-US" smtClean="0"/>
+              <a:t>11</a:t>
+            </a:fld>
+            <a:endParaRPr lang="en-US"/>
+          </a:p>
+        </p:txBody>
+      </p:sp>
+    </p:spTree>
+    <p:extLst>
+      <p:ext uri="{BB962C8B-B14F-4D97-AF65-F5344CB8AC3E}">
+        <p14:creationId xmlns:p14="http://schemas.microsoft.com/office/powerpoint/2010/main" val="2413660132"/>
+      </p:ext>
+    </p:extLst>
+  </p:cSld>
+  <p:clrMapOvr>
+    <a:masterClrMapping/>
+  </p:clrMapOvr>
+</p:notes>
+</file>
+
+<file path=ppt/notesSlides/notesSlide12.xml><?xml version="1.0" encoding="utf-8"?>
+<p:notes xmlns:a="http://schemas.openxmlformats.org/drawingml/2006/main" xmlns:r="http://schemas.openxmlformats.org/officeDocument/2006/relationships" xmlns:p="http://schemas.openxmlformats.org/presentationml/2006/main">
+  <p:cSld>
+    <p:spTree>
+      <p:nvGrpSpPr>
+        <p:cNvPr id="1" name=""/>
+        <p:cNvGrpSpPr/>
+        <p:nvPr/>
+      </p:nvGrpSpPr>
+      <p:grpSpPr>
+        <a:xfrm>
+          <a:off x="0" y="0"/>
+          <a:ext cx="0" cy="0"/>
+          <a:chOff x="0" y="0"/>
+          <a:chExt cx="0" cy="0"/>
+        </a:xfrm>
+      </p:grpSpPr>
+      <p:sp>
+        <p:nvSpPr>
+          <p:cNvPr id="2" name="Slide Image Placeholder 1"/>
+          <p:cNvSpPr>
+            <a:spLocks noGrp="1" noRot="1" noChangeAspect="1"/>
+          </p:cNvSpPr>
+          <p:nvPr>
+            <p:ph type="sldImg"/>
+          </p:nvPr>
+        </p:nvSpPr>
+        <p:spPr/>
+      </p:sp>
+      <p:sp>
+        <p:nvSpPr>
+          <p:cNvPr id="3" name="Notes Placeholder 2"/>
+          <p:cNvSpPr>
+            <a:spLocks noGrp="1"/>
+          </p:cNvSpPr>
+          <p:nvPr>
+            <p:ph type="body" idx="1"/>
+          </p:nvPr>
+        </p:nvSpPr>
+        <p:spPr/>
+        <p:txBody>
+          <a:bodyPr/>
+          <a:lstStyle/>
+          <a:p>
+            <a:r>
+              <a:rPr lang="en-US" dirty="0" smtClean="0"/>
+              <a:t>AJ</a:t>
+            </a:r>
+            <a:endParaRPr lang="en-US" dirty="0"/>
+          </a:p>
+        </p:txBody>
+      </p:sp>
+      <p:sp>
+        <p:nvSpPr>
+          <p:cNvPr id="4" name="Slide Number Placeholder 3"/>
+          <p:cNvSpPr>
+            <a:spLocks noGrp="1"/>
+          </p:cNvSpPr>
+          <p:nvPr>
+            <p:ph type="sldNum" sz="quarter" idx="10"/>
+          </p:nvPr>
+        </p:nvSpPr>
+        <p:spPr/>
+        <p:txBody>
+          <a:bodyPr/>
+          <a:lstStyle/>
+          <a:p>
+            <a:fld id="{50359553-150F-4238-883E-9958DFB521C5}" type="slidenum">
+              <a:rPr lang="en-US" smtClean="0"/>
+              <a:t>12</a:t>
+            </a:fld>
+            <a:endParaRPr lang="en-US"/>
+          </a:p>
+        </p:txBody>
+      </p:sp>
+    </p:spTree>
+    <p:extLst>
+      <p:ext uri="{BB962C8B-B14F-4D97-AF65-F5344CB8AC3E}">
+        <p14:creationId xmlns:p14="http://schemas.microsoft.com/office/powerpoint/2010/main" val="1214631714"/>
+      </p:ext>
+    </p:extLst>
+  </p:cSld>
+  <p:clrMapOvr>
+    <a:masterClrMapping/>
+  </p:clrMapOvr>
+</p:notes>
+</file>
+
+<file path=ppt/notesSlides/notesSlide13.xml><?xml version="1.0" encoding="utf-8"?>
+<p:notes xmlns:a="http://schemas.openxmlformats.org/drawingml/2006/main" xmlns:r="http://schemas.openxmlformats.org/officeDocument/2006/relationships" xmlns:p="http://schemas.openxmlformats.org/presentationml/2006/main">
+  <p:cSld>
+    <p:spTree>
+      <p:nvGrpSpPr>
+        <p:cNvPr id="1" name=""/>
+        <p:cNvGrpSpPr/>
+        <p:nvPr/>
+      </p:nvGrpSpPr>
+      <p:grpSpPr>
+        <a:xfrm>
+          <a:off x="0" y="0"/>
+          <a:ext cx="0" cy="0"/>
+          <a:chOff x="0" y="0"/>
+          <a:chExt cx="0" cy="0"/>
+        </a:xfrm>
+      </p:grpSpPr>
+      <p:sp>
+        <p:nvSpPr>
+          <p:cNvPr id="2" name="Slide Image Placeholder 1"/>
+          <p:cNvSpPr>
+            <a:spLocks noGrp="1" noRot="1" noChangeAspect="1"/>
+          </p:cNvSpPr>
+          <p:nvPr>
+            <p:ph type="sldImg"/>
+          </p:nvPr>
+        </p:nvSpPr>
+        <p:spPr/>
+      </p:sp>
+      <p:sp>
+        <p:nvSpPr>
+          <p:cNvPr id="3" name="Notes Placeholder 2"/>
+          <p:cNvSpPr>
+            <a:spLocks noGrp="1"/>
+          </p:cNvSpPr>
+          <p:nvPr>
+            <p:ph type="body" idx="1"/>
+          </p:nvPr>
+        </p:nvSpPr>
+        <p:spPr/>
+        <p:txBody>
+          <a:bodyPr/>
+          <a:lstStyle/>
+          <a:p>
+            <a:r>
+              <a:rPr lang="en-US" dirty="0" smtClean="0"/>
+              <a:t>AJ</a:t>
+            </a:r>
+            <a:endParaRPr lang="en-US" dirty="0"/>
+          </a:p>
+        </p:txBody>
+      </p:sp>
+      <p:sp>
+        <p:nvSpPr>
+          <p:cNvPr id="4" name="Slide Number Placeholder 3"/>
+          <p:cNvSpPr>
+            <a:spLocks noGrp="1"/>
+          </p:cNvSpPr>
+          <p:nvPr>
+            <p:ph type="sldNum" sz="quarter" idx="10"/>
+          </p:nvPr>
+        </p:nvSpPr>
+        <p:spPr/>
+        <p:txBody>
+          <a:bodyPr/>
+          <a:lstStyle/>
+          <a:p>
+            <a:fld id="{50359553-150F-4238-883E-9958DFB521C5}" type="slidenum">
+              <a:rPr lang="en-US" smtClean="0"/>
+              <a:t>13</a:t>
+            </a:fld>
+            <a:endParaRPr lang="en-US"/>
+          </a:p>
+        </p:txBody>
+      </p:sp>
+    </p:spTree>
+    <p:extLst>
+      <p:ext uri="{BB962C8B-B14F-4D97-AF65-F5344CB8AC3E}">
+        <p14:creationId xmlns:p14="http://schemas.microsoft.com/office/powerpoint/2010/main" val="1377464040"/>
+      </p:ext>
+    </p:extLst>
+  </p:cSld>
+  <p:clrMapOvr>
+    <a:masterClrMapping/>
+  </p:clrMapOvr>
+</p:notes>
+</file>
+
+<file path=ppt/notesSlides/notesSlide14.xml><?xml version="1.0" encoding="utf-8"?>
+<p:notes xmlns:a="http://schemas.openxmlformats.org/drawingml/2006/main" xmlns:r="http://schemas.openxmlformats.org/officeDocument/2006/relationships" xmlns:p="http://schemas.openxmlformats.org/presentationml/2006/main">
+  <p:cSld>
+    <p:spTree>
+      <p:nvGrpSpPr>
+        <p:cNvPr id="1" name=""/>
+        <p:cNvGrpSpPr/>
+        <p:nvPr/>
+      </p:nvGrpSpPr>
+      <p:grpSpPr>
+        <a:xfrm>
+          <a:off x="0" y="0"/>
+          <a:ext cx="0" cy="0"/>
+          <a:chOff x="0" y="0"/>
+          <a:chExt cx="0" cy="0"/>
+        </a:xfrm>
+      </p:grpSpPr>
+      <p:sp>
+        <p:nvSpPr>
+          <p:cNvPr id="2" name="Slide Image Placeholder 1"/>
+          <p:cNvSpPr>
+            <a:spLocks noGrp="1" noRot="1" noChangeAspect="1"/>
+          </p:cNvSpPr>
+          <p:nvPr>
+            <p:ph type="sldImg"/>
+          </p:nvPr>
+        </p:nvSpPr>
+        <p:spPr/>
+      </p:sp>
+      <p:sp>
+        <p:nvSpPr>
+          <p:cNvPr id="3" name="Notes Placeholder 2"/>
+          <p:cNvSpPr>
+            <a:spLocks noGrp="1"/>
+          </p:cNvSpPr>
+          <p:nvPr>
+            <p:ph type="body" idx="1"/>
+          </p:nvPr>
+        </p:nvSpPr>
+        <p:spPr/>
+        <p:txBody>
+          <a:bodyPr/>
+          <a:lstStyle/>
+          <a:p>
+            <a:r>
+              <a:rPr lang="en-US" dirty="0" smtClean="0"/>
+              <a:t>Tyler</a:t>
+            </a:r>
+            <a:endParaRPr lang="en-US" dirty="0"/>
+          </a:p>
+        </p:txBody>
+      </p:sp>
+      <p:sp>
+        <p:nvSpPr>
+          <p:cNvPr id="4" name="Slide Number Placeholder 3"/>
+          <p:cNvSpPr>
+            <a:spLocks noGrp="1"/>
+          </p:cNvSpPr>
+          <p:nvPr>
+            <p:ph type="sldNum" sz="quarter" idx="10"/>
+          </p:nvPr>
+        </p:nvSpPr>
+        <p:spPr/>
+        <p:txBody>
+          <a:bodyPr/>
+          <a:lstStyle/>
+          <a:p>
+            <a:fld id="{50359553-150F-4238-883E-9958DFB521C5}" type="slidenum">
+              <a:rPr lang="en-US" smtClean="0"/>
+              <a:t>14</a:t>
+            </a:fld>
+            <a:endParaRPr lang="en-US"/>
+          </a:p>
+        </p:txBody>
+      </p:sp>
+    </p:spTree>
+    <p:extLst>
+      <p:ext uri="{BB962C8B-B14F-4D97-AF65-F5344CB8AC3E}">
+        <p14:creationId xmlns:p14="http://schemas.microsoft.com/office/powerpoint/2010/main" val="4226010253"/>
+      </p:ext>
+    </p:extLst>
+  </p:cSld>
+  <p:clrMapOvr>
+    <a:masterClrMapping/>
+  </p:clrMapOvr>
+</p:notes>
+</file>
+
+<file path=ppt/notesSlides/notesSlide15.xml><?xml version="1.0" encoding="utf-8"?>
+<p:notes xmlns:a="http://schemas.openxmlformats.org/drawingml/2006/main" xmlns:r="http://schemas.openxmlformats.org/officeDocument/2006/relationships" xmlns:p="http://schemas.openxmlformats.org/presentationml/2006/main">
+  <p:cSld>
+    <p:spTree>
+      <p:nvGrpSpPr>
+        <p:cNvPr id="1" name=""/>
+        <p:cNvGrpSpPr/>
+        <p:nvPr/>
+      </p:nvGrpSpPr>
+      <p:grpSpPr>
+        <a:xfrm>
+          <a:off x="0" y="0"/>
+          <a:ext cx="0" cy="0"/>
+          <a:chOff x="0" y="0"/>
+          <a:chExt cx="0" cy="0"/>
+        </a:xfrm>
+      </p:grpSpPr>
+      <p:sp>
+        <p:nvSpPr>
+          <p:cNvPr id="2" name="Slide Image Placeholder 1"/>
+          <p:cNvSpPr>
+            <a:spLocks noGrp="1" noRot="1" noChangeAspect="1"/>
+          </p:cNvSpPr>
+          <p:nvPr>
+            <p:ph type="sldImg"/>
+          </p:nvPr>
+        </p:nvSpPr>
+        <p:spPr/>
+      </p:sp>
+      <p:sp>
+        <p:nvSpPr>
+          <p:cNvPr id="3" name="Notes Placeholder 2"/>
+          <p:cNvSpPr>
+            <a:spLocks noGrp="1"/>
+          </p:cNvSpPr>
+          <p:nvPr>
+            <p:ph type="body" idx="1"/>
+          </p:nvPr>
+        </p:nvSpPr>
+        <p:spPr/>
+        <p:txBody>
+          <a:bodyPr/>
+          <a:lstStyle/>
+          <a:p>
+            <a:r>
+              <a:rPr lang="en-US" dirty="0" err="1" smtClean="0"/>
+              <a:t>Foly</a:t>
+            </a:r>
+            <a:endParaRPr lang="en-US" dirty="0"/>
+          </a:p>
+        </p:txBody>
+      </p:sp>
+      <p:sp>
+        <p:nvSpPr>
+          <p:cNvPr id="4" name="Slide Number Placeholder 3"/>
+          <p:cNvSpPr>
+            <a:spLocks noGrp="1"/>
+          </p:cNvSpPr>
+          <p:nvPr>
+            <p:ph type="sldNum" sz="quarter" idx="10"/>
+          </p:nvPr>
+        </p:nvSpPr>
+        <p:spPr/>
+        <p:txBody>
+          <a:bodyPr/>
+          <a:lstStyle/>
+          <a:p>
+            <a:fld id="{50359553-150F-4238-883E-9958DFB521C5}" type="slidenum">
+              <a:rPr lang="en-US" smtClean="0"/>
+              <a:t>15</a:t>
+            </a:fld>
+            <a:endParaRPr lang="en-US"/>
+          </a:p>
+        </p:txBody>
+      </p:sp>
+    </p:spTree>
+    <p:extLst>
+      <p:ext uri="{BB962C8B-B14F-4D97-AF65-F5344CB8AC3E}">
+        <p14:creationId xmlns:p14="http://schemas.microsoft.com/office/powerpoint/2010/main" val="2353037258"/>
+      </p:ext>
+    </p:extLst>
+  </p:cSld>
+  <p:clrMapOvr>
+    <a:masterClrMapping/>
+  </p:clrMapOvr>
+</p:notes>
+</file>
+
+<file path=ppt/notesSlides/notesSlide16.xml><?xml version="1.0" encoding="utf-8"?>
+<p:notes xmlns:a="http://schemas.openxmlformats.org/drawingml/2006/main" xmlns:r="http://schemas.openxmlformats.org/officeDocument/2006/relationships" xmlns:p="http://schemas.openxmlformats.org/presentationml/2006/main">
+  <p:cSld>
+    <p:spTree>
+      <p:nvGrpSpPr>
+        <p:cNvPr id="1" name=""/>
+        <p:cNvGrpSpPr/>
+        <p:nvPr/>
+      </p:nvGrpSpPr>
+      <p:grpSpPr>
+        <a:xfrm>
+          <a:off x="0" y="0"/>
+          <a:ext cx="0" cy="0"/>
+          <a:chOff x="0" y="0"/>
+          <a:chExt cx="0" cy="0"/>
+        </a:xfrm>
+      </p:grpSpPr>
+      <p:sp>
+        <p:nvSpPr>
+          <p:cNvPr id="2" name="Slide Image Placeholder 1"/>
+          <p:cNvSpPr>
+            <a:spLocks noGrp="1" noRot="1" noChangeAspect="1"/>
+          </p:cNvSpPr>
+          <p:nvPr>
+            <p:ph type="sldImg"/>
+          </p:nvPr>
+        </p:nvSpPr>
+        <p:spPr/>
+      </p:sp>
+      <p:sp>
+        <p:nvSpPr>
+          <p:cNvPr id="3" name="Notes Placeholder 2"/>
+          <p:cNvSpPr>
+            <a:spLocks noGrp="1"/>
+          </p:cNvSpPr>
+          <p:nvPr>
+            <p:ph type="body" idx="1"/>
+          </p:nvPr>
+        </p:nvSpPr>
+        <p:spPr/>
+        <p:txBody>
+          <a:bodyPr/>
+          <a:lstStyle/>
+          <a:p>
+            <a:r>
+              <a:rPr lang="en-US" dirty="0" smtClean="0"/>
+              <a:t>all</a:t>
+            </a:r>
+            <a:endParaRPr lang="en-US" dirty="0"/>
+          </a:p>
+        </p:txBody>
+      </p:sp>
+      <p:sp>
+        <p:nvSpPr>
+          <p:cNvPr id="4" name="Slide Number Placeholder 3"/>
+          <p:cNvSpPr>
+            <a:spLocks noGrp="1"/>
+          </p:cNvSpPr>
+          <p:nvPr>
+            <p:ph type="sldNum" sz="quarter" idx="10"/>
+          </p:nvPr>
+        </p:nvSpPr>
+        <p:spPr/>
+        <p:txBody>
+          <a:bodyPr/>
+          <a:lstStyle/>
+          <a:p>
+            <a:fld id="{50359553-150F-4238-883E-9958DFB521C5}" type="slidenum">
+              <a:rPr lang="en-US" smtClean="0"/>
+              <a:t>17</a:t>
+            </a:fld>
+            <a:endParaRPr lang="en-US"/>
+          </a:p>
+        </p:txBody>
+      </p:sp>
+    </p:spTree>
+    <p:extLst>
+      <p:ext uri="{BB962C8B-B14F-4D97-AF65-F5344CB8AC3E}">
+        <p14:creationId xmlns:p14="http://schemas.microsoft.com/office/powerpoint/2010/main" val="522927665"/>
+      </p:ext>
+    </p:extLst>
+  </p:cSld>
+  <p:clrMapOvr>
+    <a:masterClrMapping/>
+  </p:clrMapOvr>
+</p:notes>
+</file>
+
+<file path=ppt/notesSlides/notesSlide17.xml><?xml version="1.0" encoding="utf-8"?>
+<p:notes xmlns:a="http://schemas.openxmlformats.org/drawingml/2006/main" xmlns:r="http://schemas.openxmlformats.org/officeDocument/2006/relationships" xmlns:p="http://schemas.openxmlformats.org/presentationml/2006/main">
+  <p:cSld>
+    <p:spTree>
+      <p:nvGrpSpPr>
+        <p:cNvPr id="1" name=""/>
+        <p:cNvGrpSpPr/>
+        <p:nvPr/>
+      </p:nvGrpSpPr>
+      <p:grpSpPr>
+        <a:xfrm>
+          <a:off x="0" y="0"/>
+          <a:ext cx="0" cy="0"/>
+          <a:chOff x="0" y="0"/>
+          <a:chExt cx="0" cy="0"/>
+        </a:xfrm>
+      </p:grpSpPr>
+      <p:sp>
+        <p:nvSpPr>
+          <p:cNvPr id="2" name="Slide Image Placeholder 1"/>
+          <p:cNvSpPr>
+            <a:spLocks noGrp="1" noRot="1" noChangeAspect="1"/>
+          </p:cNvSpPr>
+          <p:nvPr>
+            <p:ph type="sldImg"/>
+          </p:nvPr>
+        </p:nvSpPr>
+        <p:spPr/>
+      </p:sp>
+      <p:sp>
+        <p:nvSpPr>
+          <p:cNvPr id="3" name="Notes Placeholder 2"/>
+          <p:cNvSpPr>
+            <a:spLocks noGrp="1"/>
+          </p:cNvSpPr>
+          <p:nvPr>
+            <p:ph type="body" idx="1"/>
+          </p:nvPr>
+        </p:nvSpPr>
+        <p:spPr/>
+        <p:txBody>
+          <a:bodyPr/>
+          <a:lstStyle/>
+          <a:p>
+            <a:r>
+              <a:rPr lang="en-US" dirty="0" smtClean="0"/>
+              <a:t>all</a:t>
+            </a:r>
+            <a:endParaRPr lang="en-US" dirty="0"/>
+          </a:p>
+        </p:txBody>
+      </p:sp>
+      <p:sp>
+        <p:nvSpPr>
+          <p:cNvPr id="4" name="Slide Number Placeholder 3"/>
+          <p:cNvSpPr>
+            <a:spLocks noGrp="1"/>
+          </p:cNvSpPr>
+          <p:nvPr>
+            <p:ph type="sldNum" sz="quarter" idx="10"/>
+          </p:nvPr>
+        </p:nvSpPr>
+        <p:spPr/>
+        <p:txBody>
+          <a:bodyPr/>
+          <a:lstStyle/>
+          <a:p>
+            <a:fld id="{50359553-150F-4238-883E-9958DFB521C5}" type="slidenum">
+              <a:rPr lang="en-US" smtClean="0"/>
+              <a:t>18</a:t>
+            </a:fld>
+            <a:endParaRPr lang="en-US"/>
+          </a:p>
+        </p:txBody>
+      </p:sp>
+    </p:spTree>
+    <p:extLst>
+      <p:ext uri="{BB962C8B-B14F-4D97-AF65-F5344CB8AC3E}">
+        <p14:creationId xmlns:p14="http://schemas.microsoft.com/office/powerpoint/2010/main" val="2090357852"/>
+      </p:ext>
+    </p:extLst>
+  </p:cSld>
+  <p:clrMapOvr>
+    <a:masterClrMapping/>
+  </p:clrMapOvr>
+</p:notes>
+</file>
+
+<file path=ppt/notesSlides/notesSlide18.xml><?xml version="1.0" encoding="utf-8"?>
+<p:notes xmlns:a="http://schemas.openxmlformats.org/drawingml/2006/main" xmlns:r="http://schemas.openxmlformats.org/officeDocument/2006/relationships" xmlns:p="http://schemas.openxmlformats.org/presentationml/2006/main">
+  <p:cSld>
+    <p:spTree>
+      <p:nvGrpSpPr>
+        <p:cNvPr id="1" name=""/>
+        <p:cNvGrpSpPr/>
+        <p:nvPr/>
+      </p:nvGrpSpPr>
+      <p:grpSpPr>
+        <a:xfrm>
+          <a:off x="0" y="0"/>
+          <a:ext cx="0" cy="0"/>
+          <a:chOff x="0" y="0"/>
+          <a:chExt cx="0" cy="0"/>
+        </a:xfrm>
+      </p:grpSpPr>
+      <p:sp>
+        <p:nvSpPr>
+          <p:cNvPr id="2" name="Slide Image Placeholder 1"/>
+          <p:cNvSpPr>
+            <a:spLocks noGrp="1" noRot="1" noChangeAspect="1"/>
+          </p:cNvSpPr>
+          <p:nvPr>
+            <p:ph type="sldImg"/>
+          </p:nvPr>
+        </p:nvSpPr>
+        <p:spPr/>
+      </p:sp>
+      <p:sp>
+        <p:nvSpPr>
+          <p:cNvPr id="3" name="Notes Placeholder 2"/>
+          <p:cNvSpPr>
+            <a:spLocks noGrp="1"/>
+          </p:cNvSpPr>
+          <p:nvPr>
+            <p:ph type="body" idx="1"/>
+          </p:nvPr>
+        </p:nvSpPr>
+        <p:spPr/>
+        <p:txBody>
+          <a:bodyPr/>
+          <a:lstStyle/>
+          <a:p>
+            <a:r>
+              <a:rPr lang="en-US" dirty="0" smtClean="0"/>
+              <a:t>all</a:t>
+            </a:r>
+            <a:endParaRPr lang="en-US" dirty="0"/>
+          </a:p>
+        </p:txBody>
+      </p:sp>
+      <p:sp>
+        <p:nvSpPr>
+          <p:cNvPr id="4" name="Slide Number Placeholder 3"/>
+          <p:cNvSpPr>
+            <a:spLocks noGrp="1"/>
+          </p:cNvSpPr>
+          <p:nvPr>
+            <p:ph type="sldNum" sz="quarter" idx="10"/>
+          </p:nvPr>
+        </p:nvSpPr>
+        <p:spPr/>
+        <p:txBody>
+          <a:bodyPr/>
+          <a:lstStyle/>
+          <a:p>
+            <a:fld id="{50359553-150F-4238-883E-9958DFB521C5}" type="slidenum">
+              <a:rPr lang="en-US" smtClean="0"/>
+              <a:t>19</a:t>
+            </a:fld>
+            <a:endParaRPr lang="en-US"/>
+          </a:p>
+        </p:txBody>
+      </p:sp>
+    </p:spTree>
+    <p:extLst>
+      <p:ext uri="{BB962C8B-B14F-4D97-AF65-F5344CB8AC3E}">
+        <p14:creationId xmlns:p14="http://schemas.microsoft.com/office/powerpoint/2010/main" val="1022924011"/>
+      </p:ext>
+    </p:extLst>
+  </p:cSld>
+  <p:clrMapOvr>
+    <a:masterClrMapping/>
+  </p:clrMapOvr>
+</p:notes>
+</file>
+
+<file path=ppt/notesSlides/notesSlide2.xml><?xml version="1.0" encoding="utf-8"?>
+<p:notes xmlns:a="http://schemas.openxmlformats.org/drawingml/2006/main" xmlns:r="http://schemas.openxmlformats.org/officeDocument/2006/relationships" xmlns:p="http://schemas.openxmlformats.org/presentationml/2006/main">
+  <p:cSld>
+    <p:spTree>
+      <p:nvGrpSpPr>
+        <p:cNvPr id="1" name=""/>
+        <p:cNvGrpSpPr/>
+        <p:nvPr/>
+      </p:nvGrpSpPr>
+      <p:grpSpPr>
+        <a:xfrm>
+          <a:off x="0" y="0"/>
+          <a:ext cx="0" cy="0"/>
+          <a:chOff x="0" y="0"/>
+          <a:chExt cx="0" cy="0"/>
+        </a:xfrm>
+      </p:grpSpPr>
+      <p:sp>
+        <p:nvSpPr>
+          <p:cNvPr id="2" name="Slide Image Placeholder 1"/>
+          <p:cNvSpPr>
+            <a:spLocks noGrp="1" noRot="1" noChangeAspect="1"/>
+          </p:cNvSpPr>
+          <p:nvPr>
+            <p:ph type="sldImg"/>
+          </p:nvPr>
+        </p:nvSpPr>
+        <p:spPr/>
+      </p:sp>
+      <p:sp>
+        <p:nvSpPr>
+          <p:cNvPr id="3" name="Notes Placeholder 2"/>
+          <p:cNvSpPr>
+            <a:spLocks noGrp="1"/>
+          </p:cNvSpPr>
+          <p:nvPr>
+            <p:ph type="body" idx="1"/>
+          </p:nvPr>
+        </p:nvSpPr>
+        <p:spPr/>
+        <p:txBody>
+          <a:bodyPr/>
+          <a:lstStyle/>
+          <a:p>
+            <a:r>
+              <a:rPr lang="en-US" dirty="0" smtClean="0"/>
+              <a:t>AJ</a:t>
             </a:r>
             <a:endParaRPr lang="en-US" dirty="0"/>
           </a:p>
@@ -561,6 +1438,622 @@
     <p:extLst>
       <p:ext uri="{BB962C8B-B14F-4D97-AF65-F5344CB8AC3E}">
         <p14:creationId xmlns:p14="http://schemas.microsoft.com/office/powerpoint/2010/main" val="863622768"/>
+      </p:ext>
+    </p:extLst>
+  </p:cSld>
+  <p:clrMapOvr>
+    <a:masterClrMapping/>
+  </p:clrMapOvr>
+</p:notes>
+</file>
+
+<file path=ppt/notesSlides/notesSlide3.xml><?xml version="1.0" encoding="utf-8"?>
+<p:notes xmlns:a="http://schemas.openxmlformats.org/drawingml/2006/main" xmlns:r="http://schemas.openxmlformats.org/officeDocument/2006/relationships" xmlns:p="http://schemas.openxmlformats.org/presentationml/2006/main">
+  <p:cSld>
+    <p:spTree>
+      <p:nvGrpSpPr>
+        <p:cNvPr id="1" name=""/>
+        <p:cNvGrpSpPr/>
+        <p:nvPr/>
+      </p:nvGrpSpPr>
+      <p:grpSpPr>
+        <a:xfrm>
+          <a:off x="0" y="0"/>
+          <a:ext cx="0" cy="0"/>
+          <a:chOff x="0" y="0"/>
+          <a:chExt cx="0" cy="0"/>
+        </a:xfrm>
+      </p:grpSpPr>
+      <p:sp>
+        <p:nvSpPr>
+          <p:cNvPr id="2" name="Slide Image Placeholder 1"/>
+          <p:cNvSpPr>
+            <a:spLocks noGrp="1" noRot="1" noChangeAspect="1"/>
+          </p:cNvSpPr>
+          <p:nvPr>
+            <p:ph type="sldImg"/>
+          </p:nvPr>
+        </p:nvSpPr>
+        <p:spPr/>
+      </p:sp>
+      <p:sp>
+        <p:nvSpPr>
+          <p:cNvPr id="3" name="Notes Placeholder 2"/>
+          <p:cNvSpPr>
+            <a:spLocks noGrp="1"/>
+          </p:cNvSpPr>
+          <p:nvPr>
+            <p:ph type="body" idx="1"/>
+          </p:nvPr>
+        </p:nvSpPr>
+        <p:spPr/>
+        <p:txBody>
+          <a:bodyPr/>
+          <a:lstStyle/>
+          <a:p>
+            <a:r>
+              <a:rPr lang="en-US" dirty="0" smtClean="0"/>
+              <a:t>Tyler</a:t>
+            </a:r>
+            <a:endParaRPr lang="en-US" dirty="0"/>
+          </a:p>
+        </p:txBody>
+      </p:sp>
+      <p:sp>
+        <p:nvSpPr>
+          <p:cNvPr id="4" name="Slide Number Placeholder 3"/>
+          <p:cNvSpPr>
+            <a:spLocks noGrp="1"/>
+          </p:cNvSpPr>
+          <p:nvPr>
+            <p:ph type="sldNum" sz="quarter" idx="10"/>
+          </p:nvPr>
+        </p:nvSpPr>
+        <p:spPr/>
+        <p:txBody>
+          <a:bodyPr/>
+          <a:lstStyle/>
+          <a:p>
+            <a:fld id="{50359553-150F-4238-883E-9958DFB521C5}" type="slidenum">
+              <a:rPr lang="en-US" smtClean="0"/>
+              <a:t>3</a:t>
+            </a:fld>
+            <a:endParaRPr lang="en-US"/>
+          </a:p>
+        </p:txBody>
+      </p:sp>
+    </p:spTree>
+    <p:extLst>
+      <p:ext uri="{BB962C8B-B14F-4D97-AF65-F5344CB8AC3E}">
+        <p14:creationId xmlns:p14="http://schemas.microsoft.com/office/powerpoint/2010/main" val="2911274970"/>
+      </p:ext>
+    </p:extLst>
+  </p:cSld>
+  <p:clrMapOvr>
+    <a:masterClrMapping/>
+  </p:clrMapOvr>
+</p:notes>
+</file>
+
+<file path=ppt/notesSlides/notesSlide4.xml><?xml version="1.0" encoding="utf-8"?>
+<p:notes xmlns:a="http://schemas.openxmlformats.org/drawingml/2006/main" xmlns:r="http://schemas.openxmlformats.org/officeDocument/2006/relationships" xmlns:p="http://schemas.openxmlformats.org/presentationml/2006/main">
+  <p:cSld>
+    <p:spTree>
+      <p:nvGrpSpPr>
+        <p:cNvPr id="1" name=""/>
+        <p:cNvGrpSpPr/>
+        <p:nvPr/>
+      </p:nvGrpSpPr>
+      <p:grpSpPr>
+        <a:xfrm>
+          <a:off x="0" y="0"/>
+          <a:ext cx="0" cy="0"/>
+          <a:chOff x="0" y="0"/>
+          <a:chExt cx="0" cy="0"/>
+        </a:xfrm>
+      </p:grpSpPr>
+      <p:sp>
+        <p:nvSpPr>
+          <p:cNvPr id="2" name="Slide Image Placeholder 1"/>
+          <p:cNvSpPr>
+            <a:spLocks noGrp="1" noRot="1" noChangeAspect="1"/>
+          </p:cNvSpPr>
+          <p:nvPr>
+            <p:ph type="sldImg"/>
+          </p:nvPr>
+        </p:nvSpPr>
+        <p:spPr/>
+      </p:sp>
+      <p:sp>
+        <p:nvSpPr>
+          <p:cNvPr id="3" name="Notes Placeholder 2"/>
+          <p:cNvSpPr>
+            <a:spLocks noGrp="1"/>
+          </p:cNvSpPr>
+          <p:nvPr>
+            <p:ph type="body" idx="1"/>
+          </p:nvPr>
+        </p:nvSpPr>
+        <p:spPr/>
+        <p:txBody>
+          <a:bodyPr/>
+          <a:lstStyle/>
+          <a:p>
+            <a:r>
+              <a:rPr lang="en-US" dirty="0" smtClean="0"/>
+              <a:t>AJ</a:t>
+            </a:r>
+            <a:endParaRPr lang="en-US" dirty="0"/>
+          </a:p>
+        </p:txBody>
+      </p:sp>
+      <p:sp>
+        <p:nvSpPr>
+          <p:cNvPr id="4" name="Slide Number Placeholder 3"/>
+          <p:cNvSpPr>
+            <a:spLocks noGrp="1"/>
+          </p:cNvSpPr>
+          <p:nvPr>
+            <p:ph type="sldNum" sz="quarter" idx="10"/>
+          </p:nvPr>
+        </p:nvSpPr>
+        <p:spPr/>
+        <p:txBody>
+          <a:bodyPr/>
+          <a:lstStyle/>
+          <a:p>
+            <a:fld id="{50359553-150F-4238-883E-9958DFB521C5}" type="slidenum">
+              <a:rPr lang="en-US" smtClean="0"/>
+              <a:t>4</a:t>
+            </a:fld>
+            <a:endParaRPr lang="en-US"/>
+          </a:p>
+        </p:txBody>
+      </p:sp>
+    </p:spTree>
+    <p:extLst>
+      <p:ext uri="{BB962C8B-B14F-4D97-AF65-F5344CB8AC3E}">
+        <p14:creationId xmlns:p14="http://schemas.microsoft.com/office/powerpoint/2010/main" val="2205693863"/>
+      </p:ext>
+    </p:extLst>
+  </p:cSld>
+  <p:clrMapOvr>
+    <a:masterClrMapping/>
+  </p:clrMapOvr>
+</p:notes>
+</file>
+
+<file path=ppt/notesSlides/notesSlide5.xml><?xml version="1.0" encoding="utf-8"?>
+<p:notes xmlns:a="http://schemas.openxmlformats.org/drawingml/2006/main" xmlns:r="http://schemas.openxmlformats.org/officeDocument/2006/relationships" xmlns:p="http://schemas.openxmlformats.org/presentationml/2006/main">
+  <p:cSld>
+    <p:spTree>
+      <p:nvGrpSpPr>
+        <p:cNvPr id="1" name=""/>
+        <p:cNvGrpSpPr/>
+        <p:nvPr/>
+      </p:nvGrpSpPr>
+      <p:grpSpPr>
+        <a:xfrm>
+          <a:off x="0" y="0"/>
+          <a:ext cx="0" cy="0"/>
+          <a:chOff x="0" y="0"/>
+          <a:chExt cx="0" cy="0"/>
+        </a:xfrm>
+      </p:grpSpPr>
+      <p:sp>
+        <p:nvSpPr>
+          <p:cNvPr id="2" name="Slide Image Placeholder 1"/>
+          <p:cNvSpPr>
+            <a:spLocks noGrp="1" noRot="1" noChangeAspect="1"/>
+          </p:cNvSpPr>
+          <p:nvPr>
+            <p:ph type="sldImg"/>
+          </p:nvPr>
+        </p:nvSpPr>
+        <p:spPr/>
+      </p:sp>
+      <p:sp>
+        <p:nvSpPr>
+          <p:cNvPr id="3" name="Notes Placeholder 2"/>
+          <p:cNvSpPr>
+            <a:spLocks noGrp="1"/>
+          </p:cNvSpPr>
+          <p:nvPr>
+            <p:ph type="body" idx="1"/>
+          </p:nvPr>
+        </p:nvSpPr>
+        <p:spPr/>
+        <p:txBody>
+          <a:bodyPr/>
+          <a:lstStyle/>
+          <a:p>
+            <a:r>
+              <a:rPr lang="en-US" dirty="0" smtClean="0"/>
+              <a:t>Foley</a:t>
+            </a:r>
+            <a:endParaRPr lang="en-US" dirty="0"/>
+          </a:p>
+        </p:txBody>
+      </p:sp>
+      <p:sp>
+        <p:nvSpPr>
+          <p:cNvPr id="4" name="Slide Number Placeholder 3"/>
+          <p:cNvSpPr>
+            <a:spLocks noGrp="1"/>
+          </p:cNvSpPr>
+          <p:nvPr>
+            <p:ph type="sldNum" sz="quarter" idx="10"/>
+          </p:nvPr>
+        </p:nvSpPr>
+        <p:spPr/>
+        <p:txBody>
+          <a:bodyPr/>
+          <a:lstStyle/>
+          <a:p>
+            <a:fld id="{50359553-150F-4238-883E-9958DFB521C5}" type="slidenum">
+              <a:rPr lang="en-US" smtClean="0"/>
+              <a:t>5</a:t>
+            </a:fld>
+            <a:endParaRPr lang="en-US"/>
+          </a:p>
+        </p:txBody>
+      </p:sp>
+    </p:spTree>
+    <p:extLst>
+      <p:ext uri="{BB962C8B-B14F-4D97-AF65-F5344CB8AC3E}">
+        <p14:creationId xmlns:p14="http://schemas.microsoft.com/office/powerpoint/2010/main" val="2050143959"/>
+      </p:ext>
+    </p:extLst>
+  </p:cSld>
+  <p:clrMapOvr>
+    <a:masterClrMapping/>
+  </p:clrMapOvr>
+</p:notes>
+</file>
+
+<file path=ppt/notesSlides/notesSlide6.xml><?xml version="1.0" encoding="utf-8"?>
+<p:notes xmlns:a="http://schemas.openxmlformats.org/drawingml/2006/main" xmlns:r="http://schemas.openxmlformats.org/officeDocument/2006/relationships" xmlns:p="http://schemas.openxmlformats.org/presentationml/2006/main">
+  <p:cSld>
+    <p:spTree>
+      <p:nvGrpSpPr>
+        <p:cNvPr id="1" name=""/>
+        <p:cNvGrpSpPr/>
+        <p:nvPr/>
+      </p:nvGrpSpPr>
+      <p:grpSpPr>
+        <a:xfrm>
+          <a:off x="0" y="0"/>
+          <a:ext cx="0" cy="0"/>
+          <a:chOff x="0" y="0"/>
+          <a:chExt cx="0" cy="0"/>
+        </a:xfrm>
+      </p:grpSpPr>
+      <p:sp>
+        <p:nvSpPr>
+          <p:cNvPr id="2" name="Slide Image Placeholder 1"/>
+          <p:cNvSpPr>
+            <a:spLocks noGrp="1" noRot="1" noChangeAspect="1"/>
+          </p:cNvSpPr>
+          <p:nvPr>
+            <p:ph type="sldImg"/>
+          </p:nvPr>
+        </p:nvSpPr>
+        <p:spPr/>
+      </p:sp>
+      <p:sp>
+        <p:nvSpPr>
+          <p:cNvPr id="3" name="Notes Placeholder 2"/>
+          <p:cNvSpPr>
+            <a:spLocks noGrp="1"/>
+          </p:cNvSpPr>
+          <p:nvPr>
+            <p:ph type="body" idx="1"/>
+          </p:nvPr>
+        </p:nvSpPr>
+        <p:spPr/>
+        <p:txBody>
+          <a:bodyPr/>
+          <a:lstStyle/>
+          <a:p>
+            <a:r>
+              <a:rPr lang="en-US" dirty="0" smtClean="0"/>
+              <a:t>AJ</a:t>
+            </a:r>
+            <a:endParaRPr lang="en-US" dirty="0"/>
+          </a:p>
+        </p:txBody>
+      </p:sp>
+      <p:sp>
+        <p:nvSpPr>
+          <p:cNvPr id="4" name="Slide Number Placeholder 3"/>
+          <p:cNvSpPr>
+            <a:spLocks noGrp="1"/>
+          </p:cNvSpPr>
+          <p:nvPr>
+            <p:ph type="sldNum" sz="quarter" idx="10"/>
+          </p:nvPr>
+        </p:nvSpPr>
+        <p:spPr/>
+        <p:txBody>
+          <a:bodyPr/>
+          <a:lstStyle/>
+          <a:p>
+            <a:fld id="{50359553-150F-4238-883E-9958DFB521C5}" type="slidenum">
+              <a:rPr lang="en-US" smtClean="0"/>
+              <a:t>6</a:t>
+            </a:fld>
+            <a:endParaRPr lang="en-US"/>
+          </a:p>
+        </p:txBody>
+      </p:sp>
+    </p:spTree>
+    <p:extLst>
+      <p:ext uri="{BB962C8B-B14F-4D97-AF65-F5344CB8AC3E}">
+        <p14:creationId xmlns:p14="http://schemas.microsoft.com/office/powerpoint/2010/main" val="2838233008"/>
+      </p:ext>
+    </p:extLst>
+  </p:cSld>
+  <p:clrMapOvr>
+    <a:masterClrMapping/>
+  </p:clrMapOvr>
+</p:notes>
+</file>
+
+<file path=ppt/notesSlides/notesSlide7.xml><?xml version="1.0" encoding="utf-8"?>
+<p:notes xmlns:a="http://schemas.openxmlformats.org/drawingml/2006/main" xmlns:r="http://schemas.openxmlformats.org/officeDocument/2006/relationships" xmlns:p="http://schemas.openxmlformats.org/presentationml/2006/main">
+  <p:cSld>
+    <p:spTree>
+      <p:nvGrpSpPr>
+        <p:cNvPr id="1" name=""/>
+        <p:cNvGrpSpPr/>
+        <p:nvPr/>
+      </p:nvGrpSpPr>
+      <p:grpSpPr>
+        <a:xfrm>
+          <a:off x="0" y="0"/>
+          <a:ext cx="0" cy="0"/>
+          <a:chOff x="0" y="0"/>
+          <a:chExt cx="0" cy="0"/>
+        </a:xfrm>
+      </p:grpSpPr>
+      <p:sp>
+        <p:nvSpPr>
+          <p:cNvPr id="2" name="Slide Image Placeholder 1"/>
+          <p:cNvSpPr>
+            <a:spLocks noGrp="1" noRot="1" noChangeAspect="1"/>
+          </p:cNvSpPr>
+          <p:nvPr>
+            <p:ph type="sldImg"/>
+          </p:nvPr>
+        </p:nvSpPr>
+        <p:spPr/>
+      </p:sp>
+      <p:sp>
+        <p:nvSpPr>
+          <p:cNvPr id="3" name="Notes Placeholder 2"/>
+          <p:cNvSpPr>
+            <a:spLocks noGrp="1"/>
+          </p:cNvSpPr>
+          <p:nvPr>
+            <p:ph type="body" idx="1"/>
+          </p:nvPr>
+        </p:nvSpPr>
+        <p:spPr/>
+        <p:txBody>
+          <a:bodyPr/>
+          <a:lstStyle/>
+          <a:p>
+            <a:r>
+              <a:rPr lang="en-US" dirty="0" smtClean="0"/>
+              <a:t>Tyler</a:t>
+            </a:r>
+            <a:endParaRPr lang="en-US" dirty="0"/>
+          </a:p>
+        </p:txBody>
+      </p:sp>
+      <p:sp>
+        <p:nvSpPr>
+          <p:cNvPr id="4" name="Slide Number Placeholder 3"/>
+          <p:cNvSpPr>
+            <a:spLocks noGrp="1"/>
+          </p:cNvSpPr>
+          <p:nvPr>
+            <p:ph type="sldNum" sz="quarter" idx="10"/>
+          </p:nvPr>
+        </p:nvSpPr>
+        <p:spPr/>
+        <p:txBody>
+          <a:bodyPr/>
+          <a:lstStyle/>
+          <a:p>
+            <a:fld id="{50359553-150F-4238-883E-9958DFB521C5}" type="slidenum">
+              <a:rPr lang="en-US" smtClean="0"/>
+              <a:t>7</a:t>
+            </a:fld>
+            <a:endParaRPr lang="en-US"/>
+          </a:p>
+        </p:txBody>
+      </p:sp>
+    </p:spTree>
+    <p:extLst>
+      <p:ext uri="{BB962C8B-B14F-4D97-AF65-F5344CB8AC3E}">
+        <p14:creationId xmlns:p14="http://schemas.microsoft.com/office/powerpoint/2010/main" val="420984682"/>
+      </p:ext>
+    </p:extLst>
+  </p:cSld>
+  <p:clrMapOvr>
+    <a:masterClrMapping/>
+  </p:clrMapOvr>
+</p:notes>
+</file>
+
+<file path=ppt/notesSlides/notesSlide8.xml><?xml version="1.0" encoding="utf-8"?>
+<p:notes xmlns:a="http://schemas.openxmlformats.org/drawingml/2006/main" xmlns:r="http://schemas.openxmlformats.org/officeDocument/2006/relationships" xmlns:p="http://schemas.openxmlformats.org/presentationml/2006/main">
+  <p:cSld>
+    <p:spTree>
+      <p:nvGrpSpPr>
+        <p:cNvPr id="1" name=""/>
+        <p:cNvGrpSpPr/>
+        <p:nvPr/>
+      </p:nvGrpSpPr>
+      <p:grpSpPr>
+        <a:xfrm>
+          <a:off x="0" y="0"/>
+          <a:ext cx="0" cy="0"/>
+          <a:chOff x="0" y="0"/>
+          <a:chExt cx="0" cy="0"/>
+        </a:xfrm>
+      </p:grpSpPr>
+      <p:sp>
+        <p:nvSpPr>
+          <p:cNvPr id="2" name="Slide Image Placeholder 1"/>
+          <p:cNvSpPr>
+            <a:spLocks noGrp="1" noRot="1" noChangeAspect="1"/>
+          </p:cNvSpPr>
+          <p:nvPr>
+            <p:ph type="sldImg"/>
+          </p:nvPr>
+        </p:nvSpPr>
+        <p:spPr/>
+      </p:sp>
+      <p:sp>
+        <p:nvSpPr>
+          <p:cNvPr id="3" name="Notes Placeholder 2"/>
+          <p:cNvSpPr>
+            <a:spLocks noGrp="1"/>
+          </p:cNvSpPr>
+          <p:nvPr>
+            <p:ph type="body" idx="1"/>
+          </p:nvPr>
+        </p:nvSpPr>
+        <p:spPr/>
+        <p:txBody>
+          <a:bodyPr/>
+          <a:lstStyle/>
+          <a:p>
+            <a:r>
+              <a:rPr lang="en-US" dirty="0" err="1" smtClean="0"/>
+              <a:t>Foly</a:t>
+            </a:r>
+            <a:endParaRPr lang="en-US" dirty="0"/>
+          </a:p>
+        </p:txBody>
+      </p:sp>
+      <p:sp>
+        <p:nvSpPr>
+          <p:cNvPr id="4" name="Slide Number Placeholder 3"/>
+          <p:cNvSpPr>
+            <a:spLocks noGrp="1"/>
+          </p:cNvSpPr>
+          <p:nvPr>
+            <p:ph type="sldNum" sz="quarter" idx="10"/>
+          </p:nvPr>
+        </p:nvSpPr>
+        <p:spPr/>
+        <p:txBody>
+          <a:bodyPr/>
+          <a:lstStyle/>
+          <a:p>
+            <a:fld id="{50359553-150F-4238-883E-9958DFB521C5}" type="slidenum">
+              <a:rPr lang="en-US" smtClean="0"/>
+              <a:t>8</a:t>
+            </a:fld>
+            <a:endParaRPr lang="en-US"/>
+          </a:p>
+        </p:txBody>
+      </p:sp>
+    </p:spTree>
+    <p:extLst>
+      <p:ext uri="{BB962C8B-B14F-4D97-AF65-F5344CB8AC3E}">
+        <p14:creationId xmlns:p14="http://schemas.microsoft.com/office/powerpoint/2010/main" val="3851654664"/>
+      </p:ext>
+    </p:extLst>
+  </p:cSld>
+  <p:clrMapOvr>
+    <a:masterClrMapping/>
+  </p:clrMapOvr>
+</p:notes>
+</file>
+
+<file path=ppt/notesSlides/notesSlide9.xml><?xml version="1.0" encoding="utf-8"?>
+<p:notes xmlns:a="http://schemas.openxmlformats.org/drawingml/2006/main" xmlns:r="http://schemas.openxmlformats.org/officeDocument/2006/relationships" xmlns:p="http://schemas.openxmlformats.org/presentationml/2006/main">
+  <p:cSld>
+    <p:spTree>
+      <p:nvGrpSpPr>
+        <p:cNvPr id="1" name=""/>
+        <p:cNvGrpSpPr/>
+        <p:nvPr/>
+      </p:nvGrpSpPr>
+      <p:grpSpPr>
+        <a:xfrm>
+          <a:off x="0" y="0"/>
+          <a:ext cx="0" cy="0"/>
+          <a:chOff x="0" y="0"/>
+          <a:chExt cx="0" cy="0"/>
+        </a:xfrm>
+      </p:grpSpPr>
+      <p:sp>
+        <p:nvSpPr>
+          <p:cNvPr id="2" name="Slide Image Placeholder 1"/>
+          <p:cNvSpPr>
+            <a:spLocks noGrp="1" noRot="1" noChangeAspect="1"/>
+          </p:cNvSpPr>
+          <p:nvPr>
+            <p:ph type="sldImg"/>
+          </p:nvPr>
+        </p:nvSpPr>
+        <p:spPr/>
+      </p:sp>
+      <p:sp>
+        <p:nvSpPr>
+          <p:cNvPr id="3" name="Notes Placeholder 2"/>
+          <p:cNvSpPr>
+            <a:spLocks noGrp="1"/>
+          </p:cNvSpPr>
+          <p:nvPr>
+            <p:ph type="body" idx="1"/>
+          </p:nvPr>
+        </p:nvSpPr>
+        <p:spPr/>
+        <p:txBody>
+          <a:bodyPr/>
+          <a:lstStyle/>
+          <a:p>
+            <a:r>
+              <a:rPr lang="en-US" dirty="0" smtClean="0"/>
+              <a:t>Tyler</a:t>
+            </a:r>
+            <a:endParaRPr lang="en-US" dirty="0"/>
+          </a:p>
+        </p:txBody>
+      </p:sp>
+      <p:sp>
+        <p:nvSpPr>
+          <p:cNvPr id="4" name="Slide Number Placeholder 3"/>
+          <p:cNvSpPr>
+            <a:spLocks noGrp="1"/>
+          </p:cNvSpPr>
+          <p:nvPr>
+            <p:ph type="sldNum" sz="quarter" idx="10"/>
+          </p:nvPr>
+        </p:nvSpPr>
+        <p:spPr/>
+        <p:txBody>
+          <a:bodyPr/>
+          <a:lstStyle/>
+          <a:p>
+            <a:fld id="{50359553-150F-4238-883E-9958DFB521C5}" type="slidenum">
+              <a:rPr lang="en-US" smtClean="0"/>
+              <a:t>9</a:t>
+            </a:fld>
+            <a:endParaRPr lang="en-US"/>
+          </a:p>
+        </p:txBody>
+      </p:sp>
+    </p:spTree>
+    <p:extLst>
+      <p:ext uri="{BB962C8B-B14F-4D97-AF65-F5344CB8AC3E}">
+        <p14:creationId xmlns:p14="http://schemas.microsoft.com/office/powerpoint/2010/main" val="3478341664"/>
       </p:ext>
     </p:extLst>
   </p:cSld>
@@ -4029,7 +5522,7 @@
           <p:nvPr/>
         </p:nvPicPr>
         <p:blipFill>
-          <a:blip r:embed="rId2">
+          <a:blip r:embed="rId3">
             <a:extLst>
               <a:ext uri="{28A0092B-C50C-407E-A947-70E740481C1C}">
                 <a14:useLocalDpi xmlns:a14="http://schemas.microsoft.com/office/drawing/2010/main" val="0"/>
@@ -4173,7 +5666,7 @@
           <p:nvPr/>
         </p:nvPicPr>
         <p:blipFill>
-          <a:blip r:embed="rId2" cstate="print">
+          <a:blip r:embed="rId3" cstate="print">
             <a:extLst>
               <a:ext uri="{28A0092B-C50C-407E-A947-70E740481C1C}">
                 <a14:useLocalDpi xmlns:a14="http://schemas.microsoft.com/office/drawing/2010/main" val="0"/>
@@ -4359,7 +5852,7 @@
           <p:nvPr/>
         </p:nvPicPr>
         <p:blipFill>
-          <a:blip r:embed="rId2" cstate="print">
+          <a:blip r:embed="rId3" cstate="print">
             <a:extLst>
               <a:ext uri="{28A0092B-C50C-407E-A947-70E740481C1C}">
                 <a14:useLocalDpi xmlns:a14="http://schemas.microsoft.com/office/drawing/2010/main" val="0"/>
@@ -4518,7 +6011,7 @@
           <p:nvPr/>
         </p:nvPicPr>
         <p:blipFill>
-          <a:blip r:embed="rId2" cstate="print">
+          <a:blip r:embed="rId3" cstate="print">
             <a:extLst>
               <a:ext uri="{28A0092B-C50C-407E-A947-70E740481C1C}">
                 <a14:useLocalDpi xmlns:a14="http://schemas.microsoft.com/office/drawing/2010/main" val="0"/>
@@ -4685,7 +6178,7 @@
           <p:nvPr/>
         </p:nvPicPr>
         <p:blipFill>
-          <a:blip r:embed="rId2" cstate="print">
+          <a:blip r:embed="rId3" cstate="print">
             <a:extLst>
               <a:ext uri="{28A0092B-C50C-407E-A947-70E740481C1C}">
                 <a14:useLocalDpi xmlns:a14="http://schemas.microsoft.com/office/drawing/2010/main" val="0"/>
@@ -4822,7 +6315,7 @@
           <p:nvPr/>
         </p:nvPicPr>
         <p:blipFill>
-          <a:blip r:embed="rId2" cstate="print">
+          <a:blip r:embed="rId3" cstate="print">
             <a:extLst>
               <a:ext uri="{28A0092B-C50C-407E-A947-70E740481C1C}">
                 <a14:useLocalDpi xmlns:a14="http://schemas.microsoft.com/office/drawing/2010/main" val="0"/>
@@ -4982,7 +6475,7 @@
           <p:nvPr/>
         </p:nvPicPr>
         <p:blipFill>
-          <a:blip r:embed="rId2" cstate="print">
+          <a:blip r:embed="rId3" cstate="print">
             <a:extLst>
               <a:ext uri="{28A0092B-C50C-407E-A947-70E740481C1C}">
                 <a14:useLocalDpi xmlns:a14="http://schemas.microsoft.com/office/drawing/2010/main" val="0"/>
@@ -5190,7 +6683,7 @@
             <a:pPr algn="ctr"/>
             <a:r>
               <a:rPr lang="en-US" sz="4800" dirty="0" smtClean="0"/>
-              <a:t>Issues</a:t>
+              <a:t>Cut Features</a:t>
             </a:r>
             <a:endParaRPr lang="en-US" sz="4800" dirty="0"/>
           </a:p>
@@ -5215,19 +6708,42 @@
           <a:p>
             <a:r>
               <a:rPr lang="en-US" sz="2800" dirty="0" smtClean="0"/>
-              <a:t>Time</a:t>
+              <a:t>Networked Multiplayer</a:t>
             </a:r>
           </a:p>
           <a:p>
             <a:r>
               <a:rPr lang="en-US" sz="2800" dirty="0" smtClean="0"/>
-              <a:t>Communication</a:t>
+              <a:t>AI Monsters</a:t>
             </a:r>
           </a:p>
           <a:p>
             <a:r>
               <a:rPr lang="en-US" sz="2800" dirty="0" smtClean="0"/>
-              <a:t>Motivation</a:t>
+              <a:t>Extra Items</a:t>
+            </a:r>
+            <a:endParaRPr lang="en-US" sz="2800" dirty="0" smtClean="0"/>
+          </a:p>
+          <a:p>
+            <a:r>
+              <a:rPr lang="en-US" sz="2800" dirty="0" smtClean="0"/>
+              <a:t>Improved </a:t>
+            </a:r>
+            <a:r>
+              <a:rPr lang="en-US" sz="2800" dirty="0" smtClean="0"/>
+              <a:t>Camera</a:t>
+            </a:r>
+          </a:p>
+          <a:p>
+            <a:r>
+              <a:rPr lang="en-US" sz="2800" dirty="0" smtClean="0"/>
+              <a:t>Title Screen</a:t>
+            </a:r>
+          </a:p>
+          <a:p>
+            <a:r>
+              <a:rPr lang="en-US" sz="2800" dirty="0" smtClean="0"/>
+              <a:t>Menus</a:t>
             </a:r>
             <a:endParaRPr lang="en-US" sz="2800" dirty="0"/>
           </a:p>
@@ -5242,7 +6758,152 @@
           <p:nvPr/>
         </p:nvPicPr>
         <p:blipFill>
-          <a:blip r:embed="rId2" cstate="print">
+          <a:blip r:embed="rId3" cstate="print">
+            <a:extLst>
+              <a:ext uri="{28A0092B-C50C-407E-A947-70E740481C1C}">
+                <a14:useLocalDpi xmlns:a14="http://schemas.microsoft.com/office/drawing/2010/main" val="0"/>
+              </a:ext>
+            </a:extLst>
+          </a:blip>
+          <a:srcRect/>
+          <a:stretch>
+            <a:fillRect/>
+          </a:stretch>
+        </p:blipFill>
+        <p:spPr bwMode="auto">
+          <a:xfrm>
+            <a:off x="7772400" y="4572000"/>
+            <a:ext cx="1219200" cy="1219200"/>
+          </a:xfrm>
+          <a:prstGeom prst="rect">
+            <a:avLst/>
+          </a:prstGeom>
+          <a:noFill/>
+          <a:extLst>
+            <a:ext uri="{909E8E84-426E-40DD-AFC4-6F175D3DCCD1}">
+              <a14:hiddenFill xmlns:a14="http://schemas.microsoft.com/office/drawing/2010/main">
+                <a:solidFill>
+                  <a:srgbClr val="FFFFFF"/>
+                </a:solidFill>
+              </a14:hiddenFill>
+            </a:ext>
+          </a:extLst>
+        </p:spPr>
+      </p:pic>
+    </p:spTree>
+    <p:extLst>
+      <p:ext uri="{BB962C8B-B14F-4D97-AF65-F5344CB8AC3E}">
+        <p14:creationId xmlns:p14="http://schemas.microsoft.com/office/powerpoint/2010/main" val="3278209302"/>
+      </p:ext>
+    </p:extLst>
+  </p:cSld>
+  <p:clrMapOvr>
+    <a:masterClrMapping/>
+  </p:clrMapOvr>
+  <p:timing>
+    <p:tnLst>
+      <p:par>
+        <p:cTn id="1" dur="indefinite" restart="never" nodeType="tmRoot"/>
+      </p:par>
+    </p:tnLst>
+  </p:timing>
+</p:sld>
+</file>
+
+<file path=ppt/slides/slide18.xml><?xml version="1.0" encoding="utf-8"?>
+<p:sld xmlns:a="http://schemas.openxmlformats.org/drawingml/2006/main" xmlns:r="http://schemas.openxmlformats.org/officeDocument/2006/relationships" xmlns:p="http://schemas.openxmlformats.org/presentationml/2006/main">
+  <p:cSld>
+    <p:spTree>
+      <p:nvGrpSpPr>
+        <p:cNvPr id="1" name=""/>
+        <p:cNvGrpSpPr/>
+        <p:nvPr/>
+      </p:nvGrpSpPr>
+      <p:grpSpPr>
+        <a:xfrm>
+          <a:off x="0" y="0"/>
+          <a:ext cx="0" cy="0"/>
+          <a:chOff x="0" y="0"/>
+          <a:chExt cx="0" cy="0"/>
+        </a:xfrm>
+      </p:grpSpPr>
+      <p:sp>
+        <p:nvSpPr>
+          <p:cNvPr id="2" name="Title 1"/>
+          <p:cNvSpPr>
+            <a:spLocks noGrp="1"/>
+          </p:cNvSpPr>
+          <p:nvPr>
+            <p:ph type="title"/>
+          </p:nvPr>
+        </p:nvSpPr>
+        <p:spPr/>
+        <p:txBody>
+          <a:bodyPr/>
+          <a:lstStyle/>
+          <a:p>
+            <a:pPr algn="ctr"/>
+            <a:r>
+              <a:rPr lang="en-US" sz="4800" dirty="0" smtClean="0"/>
+              <a:t>Issues</a:t>
+            </a:r>
+            <a:endParaRPr lang="en-US" sz="4800" dirty="0"/>
+          </a:p>
+        </p:txBody>
+      </p:sp>
+      <p:sp>
+        <p:nvSpPr>
+          <p:cNvPr id="3" name="Content Placeholder 2"/>
+          <p:cNvSpPr>
+            <a:spLocks noGrp="1"/>
+          </p:cNvSpPr>
+          <p:nvPr>
+            <p:ph sz="quarter" idx="13"/>
+          </p:nvPr>
+        </p:nvSpPr>
+        <p:spPr/>
+        <p:txBody>
+          <a:bodyPr>
+            <a:normAutofit/>
+          </a:bodyPr>
+          <a:lstStyle/>
+          <a:p>
+            <a:r>
+              <a:rPr lang="en-US" sz="2800" dirty="0" smtClean="0"/>
+              <a:t>Time</a:t>
+            </a:r>
+          </a:p>
+          <a:p>
+            <a:r>
+              <a:rPr lang="en-US" sz="2800" dirty="0" smtClean="0"/>
+              <a:t>Communication</a:t>
+            </a:r>
+          </a:p>
+          <a:p>
+            <a:r>
+              <a:rPr lang="en-US" sz="2800" dirty="0" smtClean="0"/>
+              <a:t>Motivation</a:t>
+            </a:r>
+            <a:endParaRPr lang="en-US" sz="2800" dirty="0"/>
+          </a:p>
+          <a:p>
+            <a:pPr marL="0" indent="0">
+              <a:buNone/>
+            </a:pPr>
+            <a:endParaRPr lang="en-US" sz="2800" dirty="0"/>
+          </a:p>
+        </p:txBody>
+      </p:sp>
+      <p:pic>
+        <p:nvPicPr>
+          <p:cNvPr id="4" name="Picture 2" descr="C:\Users\Josh\Documents\ASSIGNMENTS\Eevee-Hound-Final\aj-testing\DXBase\el.png"/>
+          <p:cNvPicPr>
+            <a:picLocks noChangeAspect="1" noChangeArrowheads="1"/>
+          </p:cNvPicPr>
+          <p:nvPr/>
+        </p:nvPicPr>
+        <p:blipFill>
+          <a:blip r:embed="rId3" cstate="print">
             <a:extLst>
               <a:ext uri="{28A0092B-C50C-407E-A947-70E740481C1C}">
                 <a14:useLocalDpi xmlns:a14="http://schemas.microsoft.com/office/drawing/2010/main" val="0"/>
@@ -5284,10 +6945,17 @@
   <p:clrMapOvr>
     <a:masterClrMapping/>
   </p:clrMapOvr>
+  <p:timing>
+    <p:tnLst>
+      <p:par>
+        <p:cTn id="1" dur="indefinite" restart="never" nodeType="tmRoot"/>
+      </p:par>
+    </p:tnLst>
+  </p:timing>
 </p:sld>
 </file>
 
-<file path=ppt/slides/slide18.xml><?xml version="1.0" encoding="utf-8"?>
+<file path=ppt/slides/slide19.xml><?xml version="1.0" encoding="utf-8"?>
 <p:sld xmlns:a="http://schemas.openxmlformats.org/drawingml/2006/main" xmlns:r="http://schemas.openxmlformats.org/officeDocument/2006/relationships" xmlns:p="http://schemas.openxmlformats.org/presentationml/2006/main">
   <p:cSld>
     <p:spTree>
@@ -5322,7 +6990,7 @@
             <a:pPr algn="ctr"/>
             <a:r>
               <a:rPr lang="en-US" sz="4800" dirty="0" smtClean="0"/>
-              <a:t>Cut Features</a:t>
+              <a:t>Lessons Learned</a:t>
             </a:r>
             <a:endParaRPr lang="en-US" sz="4800" dirty="0"/>
           </a:p>
@@ -5347,40 +7015,163 @@
           <a:p>
             <a:r>
               <a:rPr lang="en-US" sz="2800" dirty="0" smtClean="0"/>
-              <a:t>Networked Multiplayer</a:t>
+              <a:t>Always Work on Something</a:t>
             </a:r>
           </a:p>
           <a:p>
             <a:r>
               <a:rPr lang="en-US" sz="2800" dirty="0" smtClean="0"/>
-              <a:t>AI Monsters</a:t>
+              <a:t>Stay Together in Constant Communication</a:t>
             </a:r>
           </a:p>
           <a:p>
             <a:r>
               <a:rPr lang="en-US" sz="2800" dirty="0" smtClean="0"/>
-              <a:t>Items</a:t>
+              <a:t>Do Many Small Updates</a:t>
             </a:r>
           </a:p>
           <a:p>
             <a:r>
               <a:rPr lang="en-US" sz="2800" dirty="0" smtClean="0"/>
-              <a:t>Improved Camera</a:t>
-            </a:r>
-            <a:endParaRPr lang="en-US" sz="2800" dirty="0"/>
+              <a:t>Create Deadlines From the Start and Follow Them</a:t>
+            </a:r>
+          </a:p>
+        </p:txBody>
+      </p:sp>
+    </p:spTree>
+    <p:extLst>
+      <p:ext uri="{BB962C8B-B14F-4D97-AF65-F5344CB8AC3E}">
+        <p14:creationId xmlns:p14="http://schemas.microsoft.com/office/powerpoint/2010/main" val="1578371243"/>
+      </p:ext>
+    </p:extLst>
+  </p:cSld>
+  <p:clrMapOvr>
+    <a:masterClrMapping/>
+  </p:clrMapOvr>
+  <p:timing>
+    <p:tnLst>
+      <p:par>
+        <p:cTn id="1" dur="indefinite" restart="never" nodeType="tmRoot"/>
+      </p:par>
+    </p:tnLst>
+  </p:timing>
+</p:sld>
+</file>
+
+<file path=ppt/slides/slide2.xml><?xml version="1.0" encoding="utf-8"?>
+<p:sld xmlns:a="http://schemas.openxmlformats.org/drawingml/2006/main" xmlns:r="http://schemas.openxmlformats.org/officeDocument/2006/relationships" xmlns:p="http://schemas.openxmlformats.org/presentationml/2006/main">
+  <p:cSld>
+    <p:spTree>
+      <p:nvGrpSpPr>
+        <p:cNvPr id="1" name=""/>
+        <p:cNvGrpSpPr/>
+        <p:nvPr/>
+      </p:nvGrpSpPr>
+      <p:grpSpPr>
+        <a:xfrm>
+          <a:off x="0" y="0"/>
+          <a:ext cx="0" cy="0"/>
+          <a:chOff x="0" y="0"/>
+          <a:chExt cx="0" cy="0"/>
+        </a:xfrm>
+      </p:grpSpPr>
+      <p:sp>
+        <p:nvSpPr>
+          <p:cNvPr id="2" name="Title 1"/>
+          <p:cNvSpPr>
+            <a:spLocks noGrp="1"/>
+          </p:cNvSpPr>
+          <p:nvPr>
+            <p:ph type="title"/>
+          </p:nvPr>
+        </p:nvSpPr>
+        <p:spPr/>
+        <p:txBody>
+          <a:bodyPr/>
+          <a:lstStyle/>
+          <a:p>
+            <a:pPr algn="ctr"/>
+            <a:r>
+              <a:rPr lang="en-US" sz="8000" dirty="0" smtClean="0"/>
+              <a:t>Concept</a:t>
+            </a:r>
+            <a:endParaRPr lang="en-US" sz="8000" dirty="0"/>
+          </a:p>
+        </p:txBody>
+      </p:sp>
+      <p:sp>
+        <p:nvSpPr>
+          <p:cNvPr id="3" name="Content Placeholder 2"/>
+          <p:cNvSpPr>
+            <a:spLocks noGrp="1"/>
+          </p:cNvSpPr>
+          <p:nvPr>
+            <p:ph sz="quarter" idx="13"/>
+          </p:nvPr>
+        </p:nvSpPr>
+        <p:spPr/>
+        <p:txBody>
+          <a:bodyPr>
+            <a:normAutofit/>
+          </a:bodyPr>
+          <a:lstStyle/>
+          <a:p>
+            <a:pPr lvl="1"/>
+            <a:r>
+              <a:rPr lang="en-US" sz="4400" dirty="0" smtClean="0"/>
+              <a:t>Multiplayer </a:t>
+            </a:r>
+            <a:r>
+              <a:rPr lang="en-US" sz="4400" dirty="0"/>
+              <a:t>Networked Game</a:t>
+            </a:r>
+          </a:p>
+          <a:p>
+            <a:pPr lvl="1"/>
+            <a:r>
+              <a:rPr lang="en-US" sz="4400" dirty="0"/>
+              <a:t>Dynamic Character </a:t>
+            </a:r>
+            <a:r>
+              <a:rPr lang="en-US" sz="4400" dirty="0" smtClean="0"/>
+              <a:t>Development</a:t>
+            </a:r>
+          </a:p>
+          <a:p>
+            <a:pPr lvl="1"/>
+            <a:r>
+              <a:rPr lang="en-US" sz="4400" dirty="0" smtClean="0"/>
+              <a:t>Real-Time </a:t>
+            </a:r>
+            <a:r>
+              <a:rPr lang="en-US" sz="4400" dirty="0"/>
+              <a:t>Battle </a:t>
+            </a:r>
+            <a:r>
+              <a:rPr lang="en-US" sz="4400" dirty="0" smtClean="0"/>
+              <a:t>Royale </a:t>
+            </a:r>
+            <a:r>
+              <a:rPr lang="en-US" sz="4400" dirty="0"/>
+              <a:t>Game</a:t>
+            </a:r>
+          </a:p>
+          <a:p>
+            <a:pPr lvl="1"/>
+            <a:endParaRPr lang="en-US" sz="4400" dirty="0"/>
           </a:p>
         </p:txBody>
       </p:sp>
       <p:pic>
         <p:nvPicPr>
-          <p:cNvPr id="4" name="Picture 2" descr="C:\Users\Josh\Documents\ASSIGNMENTS\Eevee-Hound-Final\aj-testing\DXBase\el.png"/>
+          <p:cNvPr id="5" name="Picture 2" descr="C:\Users\Josh\Documents\ASSIGNMENTS\Eevee-Hound-Final\aj-testing\DXBase\el.png"/>
           <p:cNvPicPr>
             <a:picLocks noChangeAspect="1" noChangeArrowheads="1"/>
           </p:cNvPicPr>
           <p:nvPr/>
         </p:nvPicPr>
         <p:blipFill>
-          <a:blip r:embed="rId2" cstate="print">
+          <a:blip r:embed="rId3" cstate="print">
             <a:extLst>
               <a:ext uri="{28A0092B-C50C-407E-A947-70E740481C1C}">
                 <a14:useLocalDpi xmlns:a14="http://schemas.microsoft.com/office/drawing/2010/main" val="0"/>
@@ -5415,17 +7206,24 @@
     </p:spTree>
     <p:extLst>
       <p:ext uri="{BB962C8B-B14F-4D97-AF65-F5344CB8AC3E}">
-        <p14:creationId xmlns:p14="http://schemas.microsoft.com/office/powerpoint/2010/main" val="3278209302"/>
+        <p14:creationId xmlns:p14="http://schemas.microsoft.com/office/powerpoint/2010/main" val="1641804844"/>
       </p:ext>
     </p:extLst>
   </p:cSld>
   <p:clrMapOvr>
     <a:masterClrMapping/>
   </p:clrMapOvr>
+  <p:timing>
+    <p:tnLst>
+      <p:par>
+        <p:cTn id="1" dur="indefinite" restart="never" nodeType="tmRoot"/>
+      </p:par>
+    </p:tnLst>
+  </p:timing>
 </p:sld>
 </file>
 
-<file path=ppt/slides/slide19.xml><?xml version="1.0" encoding="utf-8"?>
+<file path=ppt/slides/slide20.xml><?xml version="1.0" encoding="utf-8"?>
 <p:sld xmlns:a="http://schemas.openxmlformats.org/drawingml/2006/main" xmlns:r="http://schemas.openxmlformats.org/officeDocument/2006/relationships" xmlns:p="http://schemas.openxmlformats.org/presentationml/2006/main">
   <p:cSld>
     <p:spTree>
@@ -5532,171 +7330,6 @@
 </p:sld>
 </file>
 
-<file path=ppt/slides/slide2.xml><?xml version="1.0" encoding="utf-8"?>
-<p:sld xmlns:a="http://schemas.openxmlformats.org/drawingml/2006/main" xmlns:r="http://schemas.openxmlformats.org/officeDocument/2006/relationships" xmlns:p="http://schemas.openxmlformats.org/presentationml/2006/main">
-  <p:cSld>
-    <p:spTree>
-      <p:nvGrpSpPr>
-        <p:cNvPr id="1" name=""/>
-        <p:cNvGrpSpPr/>
-        <p:nvPr/>
-      </p:nvGrpSpPr>
-      <p:grpSpPr>
-        <a:xfrm>
-          <a:off x="0" y="0"/>
-          <a:ext cx="0" cy="0"/>
-          <a:chOff x="0" y="0"/>
-          <a:chExt cx="0" cy="0"/>
-        </a:xfrm>
-      </p:grpSpPr>
-      <p:sp>
-        <p:nvSpPr>
-          <p:cNvPr id="2" name="Title 1"/>
-          <p:cNvSpPr>
-            <a:spLocks noGrp="1"/>
-          </p:cNvSpPr>
-          <p:nvPr>
-            <p:ph type="title"/>
-          </p:nvPr>
-        </p:nvSpPr>
-        <p:spPr/>
-        <p:txBody>
-          <a:bodyPr/>
-          <a:lstStyle/>
-          <a:p>
-            <a:pPr algn="ctr"/>
-            <a:r>
-              <a:rPr lang="en-US" sz="8000" dirty="0" smtClean="0"/>
-              <a:t>Concept</a:t>
-            </a:r>
-            <a:endParaRPr lang="en-US" sz="8000" dirty="0"/>
-          </a:p>
-        </p:txBody>
-      </p:sp>
-      <p:sp>
-        <p:nvSpPr>
-          <p:cNvPr id="3" name="Content Placeholder 2"/>
-          <p:cNvSpPr>
-            <a:spLocks noGrp="1"/>
-          </p:cNvSpPr>
-          <p:nvPr>
-            <p:ph sz="quarter" idx="13"/>
-          </p:nvPr>
-        </p:nvSpPr>
-        <p:spPr/>
-        <p:txBody>
-          <a:bodyPr>
-            <a:normAutofit/>
-          </a:bodyPr>
-          <a:lstStyle/>
-          <a:p>
-            <a:pPr lvl="1"/>
-            <a:r>
-              <a:rPr lang="en-US" sz="4400" dirty="0" smtClean="0"/>
-              <a:t>Multiplayer </a:t>
-            </a:r>
-            <a:r>
-              <a:rPr lang="en-US" sz="4400" dirty="0"/>
-              <a:t>Networked Game</a:t>
-            </a:r>
-          </a:p>
-          <a:p>
-            <a:pPr lvl="1"/>
-            <a:r>
-              <a:rPr lang="en-US" sz="4400" dirty="0"/>
-              <a:t>Dynamic Character </a:t>
-            </a:r>
-            <a:r>
-              <a:rPr lang="en-US" sz="4400" dirty="0" smtClean="0"/>
-              <a:t>Development</a:t>
-            </a:r>
-          </a:p>
-          <a:p>
-            <a:pPr lvl="1"/>
-            <a:r>
-              <a:rPr lang="en-US" sz="4400" dirty="0" smtClean="0"/>
-              <a:t>Real-Time </a:t>
-            </a:r>
-            <a:r>
-              <a:rPr lang="en-US" sz="4400" dirty="0"/>
-              <a:t>Battle </a:t>
-            </a:r>
-            <a:r>
-              <a:rPr lang="en-US" sz="4400" dirty="0" smtClean="0"/>
-              <a:t>Royale </a:t>
-            </a:r>
-            <a:r>
-              <a:rPr lang="en-US" sz="4400" dirty="0"/>
-              <a:t>Game</a:t>
-            </a:r>
-          </a:p>
-          <a:p>
-            <a:pPr lvl="1"/>
-            <a:endParaRPr lang="en-US" sz="4400" dirty="0"/>
-          </a:p>
-        </p:txBody>
-      </p:sp>
-      <p:pic>
-        <p:nvPicPr>
-          <p:cNvPr id="5" name="Picture 2" descr="C:\Users\Josh\Documents\ASSIGNMENTS\Eevee-Hound-Final\aj-testing\DXBase\el.png"/>
-          <p:cNvPicPr>
-            <a:picLocks noChangeAspect="1" noChangeArrowheads="1"/>
-          </p:cNvPicPr>
-          <p:nvPr/>
-        </p:nvPicPr>
-        <p:blipFill>
-          <a:blip r:embed="rId3" cstate="print">
-            <a:extLst>
-              <a:ext uri="{28A0092B-C50C-407E-A947-70E740481C1C}">
-                <a14:useLocalDpi xmlns:a14="http://schemas.microsoft.com/office/drawing/2010/main" val="0"/>
-              </a:ext>
-            </a:extLst>
-          </a:blip>
-          <a:srcRect/>
-          <a:stretch>
-            <a:fillRect/>
-          </a:stretch>
-        </p:blipFill>
-        <p:spPr bwMode="auto">
-          <a:xfrm>
-            <a:off x="7772400" y="4572000"/>
-            <a:ext cx="1219200" cy="1219200"/>
-          </a:xfrm>
-          <a:prstGeom prst="rect">
-            <a:avLst/>
-          </a:prstGeom>
-          <a:noFill/>
-          <a:extLst>
-            <a:ext uri="{909E8E84-426E-40DD-AFC4-6F175D3DCCD1}">
-              <a14:hiddenFill xmlns:a14="http://schemas.microsoft.com/office/drawing/2010/main">
-                <a:solidFill>
-                  <a:srgbClr val="FFFFFF"/>
-                </a:solidFill>
-              </a14:hiddenFill>
-            </a:ext>
-          </a:extLst>
-        </p:spPr>
-      </p:pic>
-    </p:spTree>
-    <p:extLst>
-      <p:ext uri="{BB962C8B-B14F-4D97-AF65-F5344CB8AC3E}">
-        <p14:creationId xmlns:p14="http://schemas.microsoft.com/office/powerpoint/2010/main" val="1641804844"/>
-      </p:ext>
-    </p:extLst>
-  </p:cSld>
-  <p:clrMapOvr>
-    <a:masterClrMapping/>
-  </p:clrMapOvr>
-  <p:timing>
-    <p:tnLst>
-      <p:par>
-        <p:cTn id="1" dur="indefinite" restart="never" nodeType="tmRoot"/>
-      </p:par>
-    </p:tnLst>
-  </p:timing>
-</p:sld>
-</file>
-
 <file path=ppt/slides/slide3.xml><?xml version="1.0" encoding="utf-8"?>
 <p:sld xmlns:a="http://schemas.openxmlformats.org/drawingml/2006/main" xmlns:r="http://schemas.openxmlformats.org/officeDocument/2006/relationships" xmlns:p="http://schemas.openxmlformats.org/presentationml/2006/main">
   <p:cSld>
@@ -5815,7 +7448,7 @@
           <p:nvPr/>
         </p:nvPicPr>
         <p:blipFill>
-          <a:blip r:embed="rId2" cstate="print">
+          <a:blip r:embed="rId3" cstate="print">
             <a:extLst>
               <a:ext uri="{28A0092B-C50C-407E-A947-70E740481C1C}">
                 <a14:useLocalDpi xmlns:a14="http://schemas.microsoft.com/office/drawing/2010/main" val="0"/>
@@ -5957,7 +7590,7 @@
           <p:nvPr/>
         </p:nvPicPr>
         <p:blipFill>
-          <a:blip r:embed="rId2" cstate="print">
+          <a:blip r:embed="rId3" cstate="print">
             <a:extLst>
               <a:ext uri="{28A0092B-C50C-407E-A947-70E740481C1C}">
                 <a14:useLocalDpi xmlns:a14="http://schemas.microsoft.com/office/drawing/2010/main" val="0"/>
@@ -6136,7 +7769,7 @@
           <p:nvPr/>
         </p:nvPicPr>
         <p:blipFill>
-          <a:blip r:embed="rId2" cstate="print">
+          <a:blip r:embed="rId3" cstate="print">
             <a:extLst>
               <a:ext uri="{28A0092B-C50C-407E-A947-70E740481C1C}">
                 <a14:useLocalDpi xmlns:a14="http://schemas.microsoft.com/office/drawing/2010/main" val="0"/>
@@ -6252,14 +7885,39 @@
           <a:p>
             <a:r>
               <a:rPr lang="en-US" sz="3200" dirty="0"/>
-              <a:t>Players will go out and attack neutral and aggressive mobs and other Players in attempts to find parts and increase character strength</a:t>
-            </a:r>
-          </a:p>
-          <a:p>
+              <a:t>Players will go out and attack </a:t>
+            </a:r>
+            <a:r>
+              <a:rPr lang="en-US" sz="3200" dirty="0" smtClean="0"/>
+              <a:t>other </a:t>
+            </a:r>
             <a:r>
               <a:rPr lang="en-US" sz="3200" dirty="0"/>
-              <a:t>Players re-spawn upon death and drop any parts they have acquired </a:t>
-            </a:r>
+              <a:t>Players in attempts to find parts and increase character strength</a:t>
+            </a:r>
+          </a:p>
+          <a:p>
+            <a:r>
+              <a:rPr lang="en-US" sz="3200" dirty="0"/>
+              <a:t>Players re-spawn upon </a:t>
+            </a:r>
+            <a:r>
+              <a:rPr lang="en-US" sz="3200" dirty="0" smtClean="0"/>
+              <a:t>death losing all parts they had </a:t>
+            </a:r>
+            <a:r>
+              <a:rPr lang="en-US" sz="3200" dirty="0"/>
+              <a:t>and drop </a:t>
+            </a:r>
+            <a:r>
+              <a:rPr lang="en-US" sz="3200" dirty="0" smtClean="0"/>
+              <a:t>a random</a:t>
+            </a:r>
+            <a:r>
+              <a:rPr lang="en-US" sz="3200" dirty="0" smtClean="0"/>
+              <a:t> part </a:t>
+            </a:r>
+            <a:endParaRPr lang="en-US" sz="3200" dirty="0"/>
           </a:p>
         </p:txBody>
       </p:sp>
@@ -6272,7 +7930,7 @@
           <p:nvPr/>
         </p:nvPicPr>
         <p:blipFill>
-          <a:blip r:embed="rId2" cstate="print">
+          <a:blip r:embed="rId3" cstate="print">
             <a:extLst>
               <a:ext uri="{28A0092B-C50C-407E-A947-70E740481C1C}">
                 <a14:useLocalDpi xmlns:a14="http://schemas.microsoft.com/office/drawing/2010/main" val="0"/>
@@ -6416,7 +8074,7 @@
           <p:nvPr/>
         </p:nvPicPr>
         <p:blipFill>
-          <a:blip r:embed="rId2" cstate="print">
+          <a:blip r:embed="rId3" cstate="print">
             <a:extLst>
               <a:ext uri="{28A0092B-C50C-407E-A947-70E740481C1C}">
                 <a14:useLocalDpi xmlns:a14="http://schemas.microsoft.com/office/drawing/2010/main" val="0"/>
@@ -6567,7 +8225,7 @@
           <p:nvPr/>
         </p:nvPicPr>
         <p:blipFill>
-          <a:blip r:embed="rId2" cstate="print">
+          <a:blip r:embed="rId3" cstate="print">
             <a:extLst>
               <a:ext uri="{28A0092B-C50C-407E-A947-70E740481C1C}">
                 <a14:useLocalDpi xmlns:a14="http://schemas.microsoft.com/office/drawing/2010/main" val="0"/>
@@ -6741,7 +8399,7 @@
           <p:nvPr/>
         </p:nvPicPr>
         <p:blipFill>
-          <a:blip r:embed="rId2" cstate="print">
+          <a:blip r:embed="rId3" cstate="print">
             <a:extLst>
               <a:ext uri="{28A0092B-C50C-407E-A947-70E740481C1C}">
                 <a14:useLocalDpi xmlns:a14="http://schemas.microsoft.com/office/drawing/2010/main" val="0"/>
